--- a/Samsung/Lesson15/Log.pptx
+++ b/Samsung/Lesson15/Log.pptx
@@ -17,9 +17,13 @@
     <p:sldId id="266" r:id="rId11"/>
     <p:sldId id="267" r:id="rId12"/>
     <p:sldId id="268" r:id="rId13"/>
-    <p:sldId id="270" r:id="rId14"/>
-    <p:sldId id="269" r:id="rId15"/>
-    <p:sldId id="271" r:id="rId16"/>
+    <p:sldId id="269" r:id="rId14"/>
+    <p:sldId id="271" r:id="rId15"/>
+    <p:sldId id="273" r:id="rId16"/>
+    <p:sldId id="274" r:id="rId17"/>
+    <p:sldId id="275" r:id="rId18"/>
+    <p:sldId id="276" r:id="rId19"/>
+    <p:sldId id="277" r:id="rId20"/>
   </p:sldIdLst>
   <p:sldSz cx="12192000" cy="6858000"/>
   <p:notesSz cx="6858000" cy="9144000"/>
@@ -118,7 +122,38 @@
       </a:defRPr>
     </a:lvl9pPr>
   </p:defaultTextStyle>
+  <p:extLst>
+    <p:ext uri="{EFAFB233-063F-42B5-8137-9DF3F51BA10A}">
+      <p15:sldGuideLst xmlns:p15="http://schemas.microsoft.com/office/powerpoint/2012/main"/>
+    </p:ext>
+  </p:extLst>
 </p:presentation>
+</file>
+
+<file path=ppt/commentAuthors.xml><?xml version="1.0" encoding="utf-8"?>
+<p:cmAuthorLst xmlns:a="http://schemas.openxmlformats.org/drawingml/2006/main" xmlns:r="http://schemas.openxmlformats.org/officeDocument/2006/relationships" xmlns:p="http://schemas.openxmlformats.org/presentationml/2006/main">
+  <p:cmAuthor id="1" name="mobile3" initials="m" lastIdx="1" clrIdx="0">
+    <p:extLst>
+      <p:ext uri="{19B8F6BF-5375-455C-9EA6-DF929625EA0E}">
+        <p15:presenceInfo xmlns:p15="http://schemas.microsoft.com/office/powerpoint/2012/main" userId="S-1-5-21-3851927144-3735565206-2294680432-1189" providerId="AD"/>
+      </p:ext>
+    </p:extLst>
+  </p:cmAuthor>
+</p:cmAuthorLst>
+</file>
+
+<file path=ppt/comments/comment1.xml><?xml version="1.0" encoding="utf-8"?>
+<p:cmLst xmlns:a="http://schemas.openxmlformats.org/drawingml/2006/main" xmlns:r="http://schemas.openxmlformats.org/officeDocument/2006/relationships" xmlns:p="http://schemas.openxmlformats.org/presentationml/2006/main">
+  <p:cm authorId="1" dt="2020-12-07T09:49:20.559" idx="1">
+    <p:pos x="10" y="10"/>
+    <p:text>Проблема множественного наследования решена через итерфейсы. А дальше будем рассказывать что это такое</p:text>
+    <p:extLst>
+      <p:ext uri="{C676402C-5697-4E1C-873F-D02D1690AC5C}">
+        <p15:threadingInfo xmlns:p15="http://schemas.microsoft.com/office/powerpoint/2012/main" timeZoneBias="-300"/>
+      </p:ext>
+    </p:extLst>
+  </p:cm>
+</p:cmLst>
 </file>
 
 <file path=ppt/slideLayouts/slideLayout1.xml><?xml version="1.0" encoding="utf-8"?>
@@ -346,7 +381,7 @@
             <a:fld id="{5586B75A-687E-405C-8A0B-8D00578BA2C3}" type="datetimeFigureOut">
               <a:rPr lang="en-US" dirty="0"/>
               <a:pPr/>
-              <a:t>12/3/2020</a:t>
+              <a:t>12/7/2020</a:t>
             </a:fld>
             <a:endParaRPr lang="en-US" dirty="0"/>
           </a:p>
@@ -513,7 +548,7 @@
             <a:fld id="{5586B75A-687E-405C-8A0B-8D00578BA2C3}" type="datetimeFigureOut">
               <a:rPr lang="en-US" dirty="0"/>
               <a:pPr/>
-              <a:t>12/3/2020</a:t>
+              <a:t>12/7/2020</a:t>
             </a:fld>
             <a:endParaRPr lang="en-US" dirty="0"/>
           </a:p>
@@ -690,7 +725,7 @@
             <a:fld id="{5586B75A-687E-405C-8A0B-8D00578BA2C3}" type="datetimeFigureOut">
               <a:rPr lang="en-US" dirty="0"/>
               <a:pPr/>
-              <a:t>12/3/2020</a:t>
+              <a:t>12/7/2020</a:t>
             </a:fld>
             <a:endParaRPr lang="en-US" dirty="0"/>
           </a:p>
@@ -857,7 +892,7 @@
             <a:fld id="{5586B75A-687E-405C-8A0B-8D00578BA2C3}" type="datetimeFigureOut">
               <a:rPr lang="en-US" dirty="0"/>
               <a:pPr/>
-              <a:t>12/3/2020</a:t>
+              <a:t>12/7/2020</a:t>
             </a:fld>
             <a:endParaRPr lang="en-US" dirty="0"/>
           </a:p>
@@ -1112,7 +1147,7 @@
             <a:fld id="{5586B75A-687E-405C-8A0B-8D00578BA2C3}" type="datetimeFigureOut">
               <a:rPr lang="en-US" dirty="0"/>
               <a:pPr/>
-              <a:t>12/3/2020</a:t>
+              <a:t>12/7/2020</a:t>
             </a:fld>
             <a:endParaRPr lang="en-US" dirty="0"/>
           </a:p>
@@ -1397,7 +1432,7 @@
             <a:fld id="{5586B75A-687E-405C-8A0B-8D00578BA2C3}" type="datetimeFigureOut">
               <a:rPr lang="en-US" dirty="0"/>
               <a:pPr/>
-              <a:t>12/3/2020</a:t>
+              <a:t>12/7/2020</a:t>
             </a:fld>
             <a:endParaRPr lang="en-US" dirty="0"/>
           </a:p>
@@ -1836,7 +1871,7 @@
             <a:fld id="{5586B75A-687E-405C-8A0B-8D00578BA2C3}" type="datetimeFigureOut">
               <a:rPr lang="en-US" dirty="0"/>
               <a:pPr/>
-              <a:t>12/3/2020</a:t>
+              <a:t>12/7/2020</a:t>
             </a:fld>
             <a:endParaRPr lang="en-US" dirty="0"/>
           </a:p>
@@ -1951,7 +1986,7 @@
             <a:fld id="{5586B75A-687E-405C-8A0B-8D00578BA2C3}" type="datetimeFigureOut">
               <a:rPr lang="en-US" dirty="0"/>
               <a:pPr/>
-              <a:t>12/3/2020</a:t>
+              <a:t>12/7/2020</a:t>
             </a:fld>
             <a:endParaRPr lang="en-US" dirty="0"/>
           </a:p>
@@ -2043,7 +2078,7 @@
             <a:fld id="{5586B75A-687E-405C-8A0B-8D00578BA2C3}" type="datetimeFigureOut">
               <a:rPr lang="en-US" dirty="0"/>
               <a:pPr/>
-              <a:t>12/3/2020</a:t>
+              <a:t>12/7/2020</a:t>
             </a:fld>
             <a:endParaRPr lang="en-US" dirty="0"/>
           </a:p>
@@ -2328,7 +2363,7 @@
             <a:fld id="{5586B75A-687E-405C-8A0B-8D00578BA2C3}" type="datetimeFigureOut">
               <a:rPr lang="en-US" dirty="0"/>
               <a:pPr/>
-              <a:t>12/3/2020</a:t>
+              <a:t>12/7/2020</a:t>
             </a:fld>
             <a:endParaRPr lang="en-US" dirty="0"/>
           </a:p>
@@ -2598,7 +2633,7 @@
             <a:fld id="{5586B75A-687E-405C-8A0B-8D00578BA2C3}" type="datetimeFigureOut">
               <a:rPr lang="en-US" dirty="0"/>
               <a:pPr/>
-              <a:t>12/3/2020</a:t>
+              <a:t>12/7/2020</a:t>
             </a:fld>
             <a:endParaRPr lang="en-US" dirty="0"/>
           </a:p>
@@ -2892,7 +2927,7 @@
             <a:fld id="{5586B75A-687E-405C-8A0B-8D00578BA2C3}" type="datetimeFigureOut">
               <a:rPr lang="en-US" dirty="0"/>
               <a:pPr/>
-              <a:t>12/3/2020</a:t>
+              <a:t>12/7/2020</a:t>
             </a:fld>
             <a:endParaRPr lang="en-US" dirty="0"/>
           </a:p>
@@ -5140,10 +5175,10 @@
       </p:grpSpPr>
       <p:sp useBgFill="1">
         <p:nvSpPr>
-          <p:cNvPr id="135" name="Rectangle 134">
+          <p:cNvPr id="137" name="Rectangle 136">
             <a:extLst>
               <a:ext uri="{FF2B5EF4-FFF2-40B4-BE49-F238E27FC236}">
-                <a16:creationId xmlns:a16="http://schemas.microsoft.com/office/drawing/2014/main" id="{66C7A97A-A7DE-4DFB-8542-1E4BF24C7D31}"/>
+                <a16:creationId xmlns:a16="http://schemas.microsoft.com/office/drawing/2014/main" id="{0864E5C9-52C9-4572-AC75-548B9B9C2648}"/>
               </a:ext>
               <a:ext uri="{C183D7F6-B498-43B3-948B-1728B52AA6E4}">
                 <adec:decorative xmlns:adec="http://schemas.microsoft.com/office/drawing/2017/decorative" val="1"/>
@@ -5200,10 +5235,10 @@
       </p:sp>
       <p:sp>
         <p:nvSpPr>
-          <p:cNvPr id="137" name="Rectangle 136">
+          <p:cNvPr id="139" name="Rectangle 138">
             <a:extLst>
               <a:ext uri="{FF2B5EF4-FFF2-40B4-BE49-F238E27FC236}">
-                <a16:creationId xmlns:a16="http://schemas.microsoft.com/office/drawing/2014/main" id="{BE111DB0-3D73-4D20-9D57-CEF5A0D865B9}"/>
+                <a16:creationId xmlns:a16="http://schemas.microsoft.com/office/drawing/2014/main" id="{45CC6500-4DBD-4C34-BC14-2387FB483BEB}"/>
               </a:ext>
               <a:ext uri="{C183D7F6-B498-43B3-948B-1728B52AA6E4}">
                 <adec:decorative xmlns:adec="http://schemas.microsoft.com/office/drawing/2017/decorative" val="1"/>
@@ -5271,8 +5306,8 @@
         </p:nvSpPr>
         <p:spPr>
           <a:xfrm>
-            <a:off x="-7913" y="1298448"/>
-            <a:ext cx="4532288" cy="4168902"/>
+            <a:off x="88777" y="1298448"/>
+            <a:ext cx="4239760" cy="3255264"/>
           </a:xfrm>
         </p:spPr>
         <p:txBody>
@@ -5282,7 +5317,7 @@
           <a:lstStyle/>
           <a:p>
             <a:r>
-              <a:rPr lang="ru-RU" sz="4800" dirty="0"/>
+              <a:rPr lang="ru-RU" sz="4400" dirty="0"/>
               <a:t>Проблема множественного наследования</a:t>
             </a:r>
           </a:p>
@@ -5290,10 +5325,10 @@
       </p:sp>
       <p:pic>
         <p:nvPicPr>
-          <p:cNvPr id="13314" name="Picture 2" descr="Как использовать интерфейсы в Java">
+          <p:cNvPr id="12292" name="Picture 4" descr="Как использовать интерфейсы в Java">
             <a:extLst>
               <a:ext uri="{FF2B5EF4-FFF2-40B4-BE49-F238E27FC236}">
-                <a16:creationId xmlns:a16="http://schemas.microsoft.com/office/drawing/2014/main" id="{C828B0D4-B6A8-42E5-908E-ADBB2766B454}"/>
+                <a16:creationId xmlns:a16="http://schemas.microsoft.com/office/drawing/2014/main" id="{3365D09A-7A1F-455E-B2E6-708032405E1E}"/>
               </a:ext>
             </a:extLst>
           </p:cNvPr>
@@ -5302,7 +5337,7 @@
           </p:cNvPicPr>
           <p:nvPr/>
         </p:nvPicPr>
-        <p:blipFill rotWithShape="1">
+        <p:blipFill>
           <a:blip r:embed="rId2">
             <a:extLst>
               <a:ext uri="{28A0092B-C50C-407E-A947-70E740481C1C}">
@@ -5310,13 +5345,14 @@
               </a:ext>
             </a:extLst>
           </a:blip>
-          <a:srcRect l="2950"/>
-          <a:stretch/>
+          <a:stretch>
+            <a:fillRect/>
+          </a:stretch>
         </p:blipFill>
         <p:spPr bwMode="auto">
           <a:xfrm>
-            <a:off x="5120640" y="759599"/>
-            <a:ext cx="6367271" cy="5330650"/>
+            <a:off x="5120640" y="1275970"/>
+            <a:ext cx="6367271" cy="4297907"/>
           </a:xfrm>
           <a:prstGeom prst="rect">
             <a:avLst/>
@@ -5335,10 +5371,10 @@
       </p:pic>
       <p:sp>
         <p:nvSpPr>
-          <p:cNvPr id="139" name="Rectangle 138">
+          <p:cNvPr id="141" name="Rectangle 140">
             <a:extLst>
               <a:ext uri="{FF2B5EF4-FFF2-40B4-BE49-F238E27FC236}">
-                <a16:creationId xmlns:a16="http://schemas.microsoft.com/office/drawing/2014/main" id="{027ADCA0-A066-4B16-8E1F-3C2483947B72}"/>
+                <a16:creationId xmlns:a16="http://schemas.microsoft.com/office/drawing/2014/main" id="{4E34A3B6-BAD2-4156-BDC6-4736248BFDE0}"/>
               </a:ext>
               <a:ext uri="{C183D7F6-B498-43B3-948B-1728B52AA6E4}">
                 <adec:decorative xmlns:adec="http://schemas.microsoft.com/office/drawing/2017/decorative" val="1"/>
@@ -5393,7 +5429,7 @@
     </p:spTree>
     <p:extLst>
       <p:ext uri="{BB962C8B-B14F-4D97-AF65-F5344CB8AC3E}">
-        <p14:creationId xmlns:p14="http://schemas.microsoft.com/office/powerpoint/2010/main" val="4119836902"/>
+        <p14:creationId xmlns:p14="http://schemas.microsoft.com/office/powerpoint/2010/main" val="235900070"/>
       </p:ext>
     </p:extLst>
   </p:cSld>
@@ -5404,297 +5440,6 @@
 </file>
 
 <file path=ppt/slides/slide14.xml><?xml version="1.0" encoding="utf-8"?>
-<p:sld xmlns:a="http://schemas.openxmlformats.org/drawingml/2006/main" xmlns:r="http://schemas.openxmlformats.org/officeDocument/2006/relationships" xmlns:p="http://schemas.openxmlformats.org/presentationml/2006/main">
-  <p:cSld>
-    <p:bg>
-      <p:bgPr>
-        <a:solidFill>
-          <a:schemeClr val="bg1"/>
-        </a:solidFill>
-        <a:effectLst/>
-      </p:bgPr>
-    </p:bg>
-    <p:spTree>
-      <p:nvGrpSpPr>
-        <p:cNvPr id="1" name=""/>
-        <p:cNvGrpSpPr/>
-        <p:nvPr/>
-      </p:nvGrpSpPr>
-      <p:grpSpPr>
-        <a:xfrm>
-          <a:off x="0" y="0"/>
-          <a:ext cx="0" cy="0"/>
-          <a:chOff x="0" y="0"/>
-          <a:chExt cx="0" cy="0"/>
-        </a:xfrm>
-      </p:grpSpPr>
-      <p:sp useBgFill="1">
-        <p:nvSpPr>
-          <p:cNvPr id="137" name="Rectangle 136">
-            <a:extLst>
-              <a:ext uri="{FF2B5EF4-FFF2-40B4-BE49-F238E27FC236}">
-                <a16:creationId xmlns:a16="http://schemas.microsoft.com/office/drawing/2014/main" id="{0864E5C9-52C9-4572-AC75-548B9B9C2648}"/>
-              </a:ext>
-              <a:ext uri="{C183D7F6-B498-43B3-948B-1728B52AA6E4}">
-                <adec:decorative xmlns:adec="http://schemas.microsoft.com/office/drawing/2017/decorative" val="1"/>
-              </a:ext>
-            </a:extLst>
-          </p:cNvPr>
-          <p:cNvSpPr>
-            <a:spLocks noGrp="1" noRot="1" noChangeAspect="1" noMove="1" noResize="1" noEditPoints="1" noAdjustHandles="1" noChangeArrowheads="1" noChangeShapeType="1" noTextEdit="1"/>
-          </p:cNvSpPr>
-          <p:nvPr>
-            <p:extLst>
-              <p:ext uri="{386F3935-93C4-4BCD-93E2-E3B085C9AB24}">
-                <p16:designElem xmlns:p16="http://schemas.microsoft.com/office/powerpoint/2015/main" val="1"/>
-              </p:ext>
-            </p:extLst>
-          </p:nvPr>
-        </p:nvSpPr>
-        <p:spPr>
-          <a:xfrm>
-            <a:off x="0" y="0"/>
-            <a:ext cx="12191999" cy="6858000"/>
-          </a:xfrm>
-          <a:prstGeom prst="rect">
-            <a:avLst/>
-          </a:prstGeom>
-          <a:ln>
-            <a:noFill/>
-          </a:ln>
-        </p:spPr>
-        <p:style>
-          <a:lnRef idx="2">
-            <a:schemeClr val="accent1">
-              <a:shade val="50000"/>
-            </a:schemeClr>
-          </a:lnRef>
-          <a:fillRef idx="1">
-            <a:schemeClr val="accent1"/>
-          </a:fillRef>
-          <a:effectRef idx="0">
-            <a:schemeClr val="accent1"/>
-          </a:effectRef>
-          <a:fontRef idx="minor">
-            <a:schemeClr val="lt1"/>
-          </a:fontRef>
-        </p:style>
-        <p:txBody>
-          <a:bodyPr rtlCol="0" anchor="ctr"/>
-          <a:lstStyle/>
-          <a:p>
-            <a:pPr algn="ctr"/>
-            <a:endParaRPr lang="en-US"/>
-          </a:p>
-        </p:txBody>
-      </p:sp>
-      <p:sp>
-        <p:nvSpPr>
-          <p:cNvPr id="139" name="Rectangle 138">
-            <a:extLst>
-              <a:ext uri="{FF2B5EF4-FFF2-40B4-BE49-F238E27FC236}">
-                <a16:creationId xmlns:a16="http://schemas.microsoft.com/office/drawing/2014/main" id="{45CC6500-4DBD-4C34-BC14-2387FB483BEB}"/>
-              </a:ext>
-              <a:ext uri="{C183D7F6-B498-43B3-948B-1728B52AA6E4}">
-                <adec:decorative xmlns:adec="http://schemas.microsoft.com/office/drawing/2017/decorative" val="1"/>
-              </a:ext>
-            </a:extLst>
-          </p:cNvPr>
-          <p:cNvSpPr>
-            <a:spLocks noGrp="1" noRot="1" noChangeAspect="1" noMove="1" noResize="1" noEditPoints="1" noAdjustHandles="1" noChangeArrowheads="1" noChangeShapeType="1" noTextEdit="1"/>
-          </p:cNvSpPr>
-          <p:nvPr>
-            <p:extLst>
-              <p:ext uri="{386F3935-93C4-4BCD-93E2-E3B085C9AB24}">
-                <p16:designElem xmlns:p16="http://schemas.microsoft.com/office/powerpoint/2015/main" val="1"/>
-              </p:ext>
-            </p:extLst>
-          </p:nvPr>
-        </p:nvSpPr>
-        <p:spPr>
-          <a:xfrm>
-            <a:off x="1" y="761999"/>
-            <a:ext cx="4642228" cy="5334001"/>
-          </a:xfrm>
-          <a:prstGeom prst="rect">
-            <a:avLst/>
-          </a:prstGeom>
-          <a:solidFill>
-            <a:schemeClr val="accent1"/>
-          </a:solidFill>
-          <a:ln>
-            <a:noFill/>
-          </a:ln>
-        </p:spPr>
-        <p:style>
-          <a:lnRef idx="2">
-            <a:schemeClr val="accent1">
-              <a:shade val="50000"/>
-            </a:schemeClr>
-          </a:lnRef>
-          <a:fillRef idx="1">
-            <a:schemeClr val="accent1"/>
-          </a:fillRef>
-          <a:effectRef idx="0">
-            <a:schemeClr val="accent1"/>
-          </a:effectRef>
-          <a:fontRef idx="minor">
-            <a:schemeClr val="lt1"/>
-          </a:fontRef>
-        </p:style>
-      </p:sp>
-      <p:sp>
-        <p:nvSpPr>
-          <p:cNvPr id="2" name="Заголовок 1">
-            <a:extLst>
-              <a:ext uri="{FF2B5EF4-FFF2-40B4-BE49-F238E27FC236}">
-                <a16:creationId xmlns:a16="http://schemas.microsoft.com/office/drawing/2014/main" id="{911BF001-D88E-4D49-BE8B-47AF20F81F19}"/>
-              </a:ext>
-            </a:extLst>
-          </p:cNvPr>
-          <p:cNvSpPr>
-            <a:spLocks noGrp="1"/>
-          </p:cNvSpPr>
-          <p:nvPr>
-            <p:ph type="ctrTitle"/>
-          </p:nvPr>
-        </p:nvSpPr>
-        <p:spPr>
-          <a:xfrm>
-            <a:off x="1069849" y="1298448"/>
-            <a:ext cx="3258688" cy="3255264"/>
-          </a:xfrm>
-        </p:spPr>
-        <p:txBody>
-          <a:bodyPr>
-            <a:normAutofit/>
-          </a:bodyPr>
-          <a:lstStyle/>
-          <a:p>
-            <a:r>
-              <a:rPr lang="ru-RU" sz="5000"/>
-              <a:t>Интерфейс</a:t>
-            </a:r>
-          </a:p>
-        </p:txBody>
-      </p:sp>
-      <p:pic>
-        <p:nvPicPr>
-          <p:cNvPr id="12292" name="Picture 4" descr="Как использовать интерфейсы в Java">
-            <a:extLst>
-              <a:ext uri="{FF2B5EF4-FFF2-40B4-BE49-F238E27FC236}">
-                <a16:creationId xmlns:a16="http://schemas.microsoft.com/office/drawing/2014/main" id="{3365D09A-7A1F-455E-B2E6-708032405E1E}"/>
-              </a:ext>
-            </a:extLst>
-          </p:cNvPr>
-          <p:cNvPicPr>
-            <a:picLocks noChangeAspect="1" noChangeArrowheads="1"/>
-          </p:cNvPicPr>
-          <p:nvPr/>
-        </p:nvPicPr>
-        <p:blipFill>
-          <a:blip r:embed="rId2">
-            <a:extLst>
-              <a:ext uri="{28A0092B-C50C-407E-A947-70E740481C1C}">
-                <a14:useLocalDpi xmlns:a14="http://schemas.microsoft.com/office/drawing/2010/main" val="0"/>
-              </a:ext>
-            </a:extLst>
-          </a:blip>
-          <a:stretch>
-            <a:fillRect/>
-          </a:stretch>
-        </p:blipFill>
-        <p:spPr bwMode="auto">
-          <a:xfrm>
-            <a:off x="5120640" y="1275970"/>
-            <a:ext cx="6367271" cy="4297907"/>
-          </a:xfrm>
-          <a:prstGeom prst="rect">
-            <a:avLst/>
-          </a:prstGeom>
-          <a:noFill/>
-          <a:extLst>
-            <a:ext uri="{909E8E84-426E-40DD-AFC4-6F175D3DCCD1}">
-              <a14:hiddenFill xmlns:a14="http://schemas.microsoft.com/office/drawing/2010/main">
-                <a:solidFill>
-                  <a:srgbClr val="FFFFFF"/>
-                </a:solidFill>
-              </a14:hiddenFill>
-            </a:ext>
-          </a:extLst>
-        </p:spPr>
-      </p:pic>
-      <p:sp>
-        <p:nvSpPr>
-          <p:cNvPr id="141" name="Rectangle 140">
-            <a:extLst>
-              <a:ext uri="{FF2B5EF4-FFF2-40B4-BE49-F238E27FC236}">
-                <a16:creationId xmlns:a16="http://schemas.microsoft.com/office/drawing/2014/main" id="{4E34A3B6-BAD2-4156-BDC6-4736248BFDE0}"/>
-              </a:ext>
-              <a:ext uri="{C183D7F6-B498-43B3-948B-1728B52AA6E4}">
-                <adec:decorative xmlns:adec="http://schemas.microsoft.com/office/drawing/2017/decorative" val="1"/>
-              </a:ext>
-            </a:extLst>
-          </p:cNvPr>
-          <p:cNvSpPr>
-            <a:spLocks noGrp="1" noRot="1" noChangeAspect="1" noMove="1" noResize="1" noEditPoints="1" noAdjustHandles="1" noChangeArrowheads="1" noChangeShapeType="1" noTextEdit="1"/>
-          </p:cNvSpPr>
-          <p:nvPr>
-            <p:extLst>
-              <p:ext uri="{386F3935-93C4-4BCD-93E2-E3B085C9AB24}">
-                <p16:designElem xmlns:p16="http://schemas.microsoft.com/office/powerpoint/2015/main" val="1"/>
-              </p:ext>
-            </p:extLst>
-          </p:nvPr>
-        </p:nvSpPr>
-        <p:spPr>
-          <a:xfrm>
-            <a:off x="11815864" y="758952"/>
-            <a:ext cx="384048" cy="5330952"/>
-          </a:xfrm>
-          <a:prstGeom prst="rect">
-            <a:avLst/>
-          </a:prstGeom>
-          <a:solidFill>
-            <a:srgbClr val="C8C8C8">
-              <a:alpha val="49804"/>
-            </a:srgbClr>
-          </a:solidFill>
-          <a:ln>
-            <a:noFill/>
-          </a:ln>
-        </p:spPr>
-        <p:style>
-          <a:lnRef idx="2">
-            <a:schemeClr val="accent1">
-              <a:shade val="50000"/>
-            </a:schemeClr>
-          </a:lnRef>
-          <a:fillRef idx="1">
-            <a:schemeClr val="accent1"/>
-          </a:fillRef>
-          <a:effectRef idx="0">
-            <a:schemeClr val="accent1"/>
-          </a:effectRef>
-          <a:fontRef idx="minor">
-            <a:schemeClr val="lt1"/>
-          </a:fontRef>
-        </p:style>
-      </p:sp>
-    </p:spTree>
-    <p:extLst>
-      <p:ext uri="{BB962C8B-B14F-4D97-AF65-F5344CB8AC3E}">
-        <p14:creationId xmlns:p14="http://schemas.microsoft.com/office/powerpoint/2010/main" val="235900070"/>
-      </p:ext>
-    </p:extLst>
-  </p:cSld>
-  <p:clrMapOvr>
-    <a:masterClrMapping/>
-  </p:clrMapOvr>
-</p:sld>
-</file>
-
-<file path=ppt/slides/slide15.xml><?xml version="1.0" encoding="utf-8"?>
 <p:sld xmlns:a="http://schemas.openxmlformats.org/drawingml/2006/main" xmlns:r="http://schemas.openxmlformats.org/officeDocument/2006/relationships" xmlns:p="http://schemas.openxmlformats.org/presentationml/2006/main">
   <p:cSld>
     <p:bg>
@@ -6020,6 +5765,2080 @@
     <p:extLst>
       <p:ext uri="{BB962C8B-B14F-4D97-AF65-F5344CB8AC3E}">
         <p14:creationId xmlns:p14="http://schemas.microsoft.com/office/powerpoint/2010/main" val="4110991630"/>
+      </p:ext>
+    </p:extLst>
+  </p:cSld>
+  <p:clrMapOvr>
+    <a:masterClrMapping/>
+  </p:clrMapOvr>
+</p:sld>
+</file>
+
+<file path=ppt/slides/slide15.xml><?xml version="1.0" encoding="utf-8"?>
+<p:sld xmlns:a="http://schemas.openxmlformats.org/drawingml/2006/main" xmlns:r="http://schemas.openxmlformats.org/officeDocument/2006/relationships" xmlns:p="http://schemas.openxmlformats.org/presentationml/2006/main">
+  <p:cSld>
+    <p:bg>
+      <p:bgPr>
+        <a:solidFill>
+          <a:schemeClr val="bg1"/>
+        </a:solidFill>
+        <a:effectLst/>
+      </p:bgPr>
+    </p:bg>
+    <p:spTree>
+      <p:nvGrpSpPr>
+        <p:cNvPr id="1" name=""/>
+        <p:cNvGrpSpPr/>
+        <p:nvPr/>
+      </p:nvGrpSpPr>
+      <p:grpSpPr>
+        <a:xfrm>
+          <a:off x="0" y="0"/>
+          <a:ext cx="0" cy="0"/>
+          <a:chOff x="0" y="0"/>
+          <a:chExt cx="0" cy="0"/>
+        </a:xfrm>
+      </p:grpSpPr>
+      <p:sp useBgFill="1">
+        <p:nvSpPr>
+          <p:cNvPr id="76" name="Rectangle 75">
+            <a:extLst>
+              <a:ext uri="{FF2B5EF4-FFF2-40B4-BE49-F238E27FC236}">
+                <a16:creationId xmlns:a16="http://schemas.microsoft.com/office/drawing/2014/main" id="{9FDD9264-A478-4B82-A891-2BEA8BF9F68A}"/>
+              </a:ext>
+              <a:ext uri="{C183D7F6-B498-43B3-948B-1728B52AA6E4}">
+                <adec:decorative xmlns:adec="http://schemas.microsoft.com/office/drawing/2017/decorative" val="1"/>
+              </a:ext>
+            </a:extLst>
+          </p:cNvPr>
+          <p:cNvSpPr>
+            <a:spLocks noGrp="1" noRot="1" noChangeAspect="1" noMove="1" noResize="1" noEditPoints="1" noAdjustHandles="1" noChangeArrowheads="1" noChangeShapeType="1" noTextEdit="1"/>
+          </p:cNvSpPr>
+          <p:nvPr>
+            <p:extLst>
+              <p:ext uri="{386F3935-93C4-4BCD-93E2-E3B085C9AB24}">
+                <p16:designElem xmlns:p16="http://schemas.microsoft.com/office/powerpoint/2015/main" val="1"/>
+              </p:ext>
+            </p:extLst>
+          </p:nvPr>
+        </p:nvSpPr>
+        <p:spPr>
+          <a:xfrm>
+            <a:off x="0" y="0"/>
+            <a:ext cx="12191999" cy="6858000"/>
+          </a:xfrm>
+          <a:prstGeom prst="rect">
+            <a:avLst/>
+          </a:prstGeom>
+          <a:ln>
+            <a:noFill/>
+          </a:ln>
+        </p:spPr>
+        <p:style>
+          <a:lnRef idx="2">
+            <a:schemeClr val="accent1">
+              <a:shade val="50000"/>
+            </a:schemeClr>
+          </a:lnRef>
+          <a:fillRef idx="1">
+            <a:schemeClr val="accent1"/>
+          </a:fillRef>
+          <a:effectRef idx="0">
+            <a:schemeClr val="accent1"/>
+          </a:effectRef>
+          <a:fontRef idx="minor">
+            <a:schemeClr val="lt1"/>
+          </a:fontRef>
+        </p:style>
+        <p:txBody>
+          <a:bodyPr rtlCol="0" anchor="ctr"/>
+          <a:lstStyle/>
+          <a:p>
+            <a:pPr algn="ctr"/>
+            <a:endParaRPr lang="en-US"/>
+          </a:p>
+        </p:txBody>
+      </p:sp>
+      <p:pic>
+        <p:nvPicPr>
+          <p:cNvPr id="1028" name="Picture 4" descr="Пульт телевизора">
+            <a:extLst>
+              <a:ext uri="{FF2B5EF4-FFF2-40B4-BE49-F238E27FC236}">
+                <a16:creationId xmlns:a16="http://schemas.microsoft.com/office/drawing/2014/main" id="{227152FC-39AB-4508-BAE7-FC2E627C5AC6}"/>
+              </a:ext>
+            </a:extLst>
+          </p:cNvPr>
+          <p:cNvPicPr>
+            <a:picLocks noChangeAspect="1" noChangeArrowheads="1"/>
+          </p:cNvPicPr>
+          <p:nvPr/>
+        </p:nvPicPr>
+        <p:blipFill rotWithShape="1">
+          <a:blip r:embed="rId2">
+            <a:extLst>
+              <a:ext uri="{28A0092B-C50C-407E-A947-70E740481C1C}">
+                <a14:useLocalDpi xmlns:a14="http://schemas.microsoft.com/office/drawing/2010/main" val="0"/>
+              </a:ext>
+            </a:extLst>
+          </a:blip>
+          <a:srcRect r="25"/>
+          <a:stretch/>
+        </p:blipFill>
+        <p:spPr bwMode="auto">
+          <a:xfrm>
+            <a:off x="20" y="-1"/>
+            <a:ext cx="12188932" cy="6858000"/>
+          </a:xfrm>
+          <a:prstGeom prst="rect">
+            <a:avLst/>
+          </a:prstGeom>
+          <a:noFill/>
+          <a:extLst>
+            <a:ext uri="{909E8E84-426E-40DD-AFC4-6F175D3DCCD1}">
+              <a14:hiddenFill xmlns:a14="http://schemas.microsoft.com/office/drawing/2010/main">
+                <a:solidFill>
+                  <a:srgbClr val="FFFFFF"/>
+                </a:solidFill>
+              </a14:hiddenFill>
+            </a:ext>
+          </a:extLst>
+        </p:spPr>
+      </p:pic>
+      <p:sp>
+        <p:nvSpPr>
+          <p:cNvPr id="78" name="Rectangle 77">
+            <a:extLst>
+              <a:ext uri="{FF2B5EF4-FFF2-40B4-BE49-F238E27FC236}">
+                <a16:creationId xmlns:a16="http://schemas.microsoft.com/office/drawing/2014/main" id="{C4D755E9-CEF5-43A7-A514-4664F25F398C}"/>
+              </a:ext>
+              <a:ext uri="{C183D7F6-B498-43B3-948B-1728B52AA6E4}">
+                <adec:decorative xmlns:adec="http://schemas.microsoft.com/office/drawing/2017/decorative" val="1"/>
+              </a:ext>
+            </a:extLst>
+          </p:cNvPr>
+          <p:cNvSpPr>
+            <a:spLocks noGrp="1" noRot="1" noChangeAspect="1" noMove="1" noResize="1" noEditPoints="1" noAdjustHandles="1" noChangeArrowheads="1" noChangeShapeType="1" noTextEdit="1"/>
+          </p:cNvSpPr>
+          <p:nvPr>
+            <p:extLst>
+              <p:ext uri="{386F3935-93C4-4BCD-93E2-E3B085C9AB24}">
+                <p16:designElem xmlns:p16="http://schemas.microsoft.com/office/powerpoint/2015/main" val="1"/>
+              </p:ext>
+            </p:extLst>
+          </p:nvPr>
+        </p:nvSpPr>
+        <p:spPr>
+          <a:xfrm>
+            <a:off x="1" y="761999"/>
+            <a:ext cx="4642228" cy="5334001"/>
+          </a:xfrm>
+          <a:prstGeom prst="rect">
+            <a:avLst/>
+          </a:prstGeom>
+          <a:solidFill>
+            <a:schemeClr val="accent1"/>
+          </a:solidFill>
+          <a:ln>
+            <a:noFill/>
+          </a:ln>
+        </p:spPr>
+        <p:style>
+          <a:lnRef idx="2">
+            <a:schemeClr val="accent1">
+              <a:shade val="50000"/>
+            </a:schemeClr>
+          </a:lnRef>
+          <a:fillRef idx="1">
+            <a:schemeClr val="accent1"/>
+          </a:fillRef>
+          <a:effectRef idx="0">
+            <a:schemeClr val="accent1"/>
+          </a:effectRef>
+          <a:fontRef idx="minor">
+            <a:schemeClr val="lt1"/>
+          </a:fontRef>
+        </p:style>
+      </p:sp>
+      <p:sp>
+        <p:nvSpPr>
+          <p:cNvPr id="2" name="Заголовок 1">
+            <a:extLst>
+              <a:ext uri="{FF2B5EF4-FFF2-40B4-BE49-F238E27FC236}">
+                <a16:creationId xmlns:a16="http://schemas.microsoft.com/office/drawing/2014/main" id="{911BF001-D88E-4D49-BE8B-47AF20F81F19}"/>
+              </a:ext>
+            </a:extLst>
+          </p:cNvPr>
+          <p:cNvSpPr>
+            <a:spLocks noGrp="1"/>
+          </p:cNvSpPr>
+          <p:nvPr>
+            <p:ph type="ctrTitle"/>
+          </p:nvPr>
+        </p:nvSpPr>
+        <p:spPr>
+          <a:xfrm>
+            <a:off x="643467" y="1298448"/>
+            <a:ext cx="3685070" cy="3255264"/>
+          </a:xfrm>
+        </p:spPr>
+        <p:txBody>
+          <a:bodyPr>
+            <a:normAutofit/>
+          </a:bodyPr>
+          <a:lstStyle/>
+          <a:p>
+            <a:r>
+              <a:rPr lang="ru-RU" sz="4400"/>
+              <a:t>Интерфейс</a:t>
+            </a:r>
+          </a:p>
+        </p:txBody>
+      </p:sp>
+      <p:sp>
+        <p:nvSpPr>
+          <p:cNvPr id="80" name="Rectangle 79">
+            <a:extLst>
+              <a:ext uri="{FF2B5EF4-FFF2-40B4-BE49-F238E27FC236}">
+                <a16:creationId xmlns:a16="http://schemas.microsoft.com/office/drawing/2014/main" id="{2BF879CD-ED15-450F-B829-699C694D2EBC}"/>
+              </a:ext>
+              <a:ext uri="{C183D7F6-B498-43B3-948B-1728B52AA6E4}">
+                <adec:decorative xmlns:adec="http://schemas.microsoft.com/office/drawing/2017/decorative" val="1"/>
+              </a:ext>
+            </a:extLst>
+          </p:cNvPr>
+          <p:cNvSpPr>
+            <a:spLocks noGrp="1" noRot="1" noChangeAspect="1" noMove="1" noResize="1" noEditPoints="1" noAdjustHandles="1" noChangeArrowheads="1" noChangeShapeType="1" noTextEdit="1"/>
+          </p:cNvSpPr>
+          <p:nvPr>
+            <p:extLst>
+              <p:ext uri="{386F3935-93C4-4BCD-93E2-E3B085C9AB24}">
+                <p16:designElem xmlns:p16="http://schemas.microsoft.com/office/powerpoint/2015/main" val="1"/>
+              </p:ext>
+            </p:extLst>
+          </p:nvPr>
+        </p:nvSpPr>
+        <p:spPr>
+          <a:xfrm>
+            <a:off x="11815864" y="758952"/>
+            <a:ext cx="384048" cy="5330952"/>
+          </a:xfrm>
+          <a:prstGeom prst="rect">
+            <a:avLst/>
+          </a:prstGeom>
+          <a:solidFill>
+            <a:srgbClr val="C8C8C8">
+              <a:alpha val="90000"/>
+            </a:srgbClr>
+          </a:solidFill>
+          <a:ln>
+            <a:noFill/>
+          </a:ln>
+        </p:spPr>
+        <p:style>
+          <a:lnRef idx="2">
+            <a:schemeClr val="accent1">
+              <a:shade val="50000"/>
+            </a:schemeClr>
+          </a:lnRef>
+          <a:fillRef idx="1">
+            <a:schemeClr val="accent1"/>
+          </a:fillRef>
+          <a:effectRef idx="0">
+            <a:schemeClr val="accent1"/>
+          </a:effectRef>
+          <a:fontRef idx="minor">
+            <a:schemeClr val="lt1"/>
+          </a:fontRef>
+        </p:style>
+      </p:sp>
+    </p:spTree>
+    <p:extLst>
+      <p:ext uri="{BB962C8B-B14F-4D97-AF65-F5344CB8AC3E}">
+        <p14:creationId xmlns:p14="http://schemas.microsoft.com/office/powerpoint/2010/main" val="752549683"/>
+      </p:ext>
+    </p:extLst>
+  </p:cSld>
+  <p:clrMapOvr>
+    <a:masterClrMapping/>
+  </p:clrMapOvr>
+</p:sld>
+</file>
+
+<file path=ppt/slides/slide16.xml><?xml version="1.0" encoding="utf-8"?>
+<p:sld xmlns:a="http://schemas.openxmlformats.org/drawingml/2006/main" xmlns:r="http://schemas.openxmlformats.org/officeDocument/2006/relationships" xmlns:p="http://schemas.openxmlformats.org/presentationml/2006/main">
+  <p:cSld>
+    <p:bg>
+      <p:bgPr>
+        <a:solidFill>
+          <a:schemeClr val="bg1"/>
+        </a:solidFill>
+        <a:effectLst/>
+      </p:bgPr>
+    </p:bg>
+    <p:spTree>
+      <p:nvGrpSpPr>
+        <p:cNvPr id="1" name=""/>
+        <p:cNvGrpSpPr/>
+        <p:nvPr/>
+      </p:nvGrpSpPr>
+      <p:grpSpPr>
+        <a:xfrm>
+          <a:off x="0" y="0"/>
+          <a:ext cx="0" cy="0"/>
+          <a:chOff x="0" y="0"/>
+          <a:chExt cx="0" cy="0"/>
+        </a:xfrm>
+      </p:grpSpPr>
+      <p:sp useBgFill="1">
+        <p:nvSpPr>
+          <p:cNvPr id="192" name="Rectangle 191">
+            <a:extLst>
+              <a:ext uri="{FF2B5EF4-FFF2-40B4-BE49-F238E27FC236}">
+                <a16:creationId xmlns:a16="http://schemas.microsoft.com/office/drawing/2014/main" id="{66C7A97A-A7DE-4DFB-8542-1E4BF24C7D31}"/>
+              </a:ext>
+              <a:ext uri="{C183D7F6-B498-43B3-948B-1728B52AA6E4}">
+                <adec:decorative xmlns:adec="http://schemas.microsoft.com/office/drawing/2017/decorative" val="1"/>
+              </a:ext>
+            </a:extLst>
+          </p:cNvPr>
+          <p:cNvSpPr>
+            <a:spLocks noGrp="1" noRot="1" noChangeAspect="1" noMove="1" noResize="1" noEditPoints="1" noAdjustHandles="1" noChangeArrowheads="1" noChangeShapeType="1" noTextEdit="1"/>
+          </p:cNvSpPr>
+          <p:nvPr>
+            <p:extLst>
+              <p:ext uri="{386F3935-93C4-4BCD-93E2-E3B085C9AB24}">
+                <p16:designElem xmlns:p16="http://schemas.microsoft.com/office/powerpoint/2015/main" val="1"/>
+              </p:ext>
+            </p:extLst>
+          </p:nvPr>
+        </p:nvSpPr>
+        <p:spPr>
+          <a:xfrm>
+            <a:off x="0" y="0"/>
+            <a:ext cx="12191999" cy="6858000"/>
+          </a:xfrm>
+          <a:prstGeom prst="rect">
+            <a:avLst/>
+          </a:prstGeom>
+          <a:ln>
+            <a:noFill/>
+          </a:ln>
+        </p:spPr>
+        <p:style>
+          <a:lnRef idx="2">
+            <a:schemeClr val="accent1">
+              <a:shade val="50000"/>
+            </a:schemeClr>
+          </a:lnRef>
+          <a:fillRef idx="1">
+            <a:schemeClr val="accent1"/>
+          </a:fillRef>
+          <a:effectRef idx="0">
+            <a:schemeClr val="accent1"/>
+          </a:effectRef>
+          <a:fontRef idx="minor">
+            <a:schemeClr val="lt1"/>
+          </a:fontRef>
+        </p:style>
+        <p:txBody>
+          <a:bodyPr rtlCol="0" anchor="ctr"/>
+          <a:lstStyle/>
+          <a:p>
+            <a:pPr algn="ctr"/>
+            <a:endParaRPr lang="en-US"/>
+          </a:p>
+        </p:txBody>
+      </p:sp>
+      <p:sp>
+        <p:nvSpPr>
+          <p:cNvPr id="193" name="Rectangle 192">
+            <a:extLst>
+              <a:ext uri="{FF2B5EF4-FFF2-40B4-BE49-F238E27FC236}">
+                <a16:creationId xmlns:a16="http://schemas.microsoft.com/office/drawing/2014/main" id="{BE111DB0-3D73-4D20-9D57-CEF5A0D865B9}"/>
+              </a:ext>
+              <a:ext uri="{C183D7F6-B498-43B3-948B-1728B52AA6E4}">
+                <adec:decorative xmlns:adec="http://schemas.microsoft.com/office/drawing/2017/decorative" val="1"/>
+              </a:ext>
+            </a:extLst>
+          </p:cNvPr>
+          <p:cNvSpPr>
+            <a:spLocks noGrp="1" noRot="1" noChangeAspect="1" noMove="1" noResize="1" noEditPoints="1" noAdjustHandles="1" noChangeArrowheads="1" noChangeShapeType="1" noTextEdit="1"/>
+          </p:cNvSpPr>
+          <p:nvPr>
+            <p:extLst>
+              <p:ext uri="{386F3935-93C4-4BCD-93E2-E3B085C9AB24}">
+                <p16:designElem xmlns:p16="http://schemas.microsoft.com/office/powerpoint/2015/main" val="1"/>
+              </p:ext>
+            </p:extLst>
+          </p:nvPr>
+        </p:nvSpPr>
+        <p:spPr>
+          <a:xfrm>
+            <a:off x="1" y="761999"/>
+            <a:ext cx="4642228" cy="5334001"/>
+          </a:xfrm>
+          <a:prstGeom prst="rect">
+            <a:avLst/>
+          </a:prstGeom>
+          <a:solidFill>
+            <a:schemeClr val="accent1"/>
+          </a:solidFill>
+          <a:ln>
+            <a:noFill/>
+          </a:ln>
+        </p:spPr>
+        <p:style>
+          <a:lnRef idx="2">
+            <a:schemeClr val="accent1">
+              <a:shade val="50000"/>
+            </a:schemeClr>
+          </a:lnRef>
+          <a:fillRef idx="1">
+            <a:schemeClr val="accent1"/>
+          </a:fillRef>
+          <a:effectRef idx="0">
+            <a:schemeClr val="accent1"/>
+          </a:effectRef>
+          <a:fontRef idx="minor">
+            <a:schemeClr val="lt1"/>
+          </a:fontRef>
+        </p:style>
+      </p:sp>
+      <p:sp>
+        <p:nvSpPr>
+          <p:cNvPr id="2" name="Заголовок 1">
+            <a:extLst>
+              <a:ext uri="{FF2B5EF4-FFF2-40B4-BE49-F238E27FC236}">
+                <a16:creationId xmlns:a16="http://schemas.microsoft.com/office/drawing/2014/main" id="{911BF001-D88E-4D49-BE8B-47AF20F81F19}"/>
+              </a:ext>
+            </a:extLst>
+          </p:cNvPr>
+          <p:cNvSpPr>
+            <a:spLocks noGrp="1"/>
+          </p:cNvSpPr>
+          <p:nvPr>
+            <p:ph type="ctrTitle"/>
+          </p:nvPr>
+        </p:nvSpPr>
+        <p:spPr>
+          <a:xfrm>
+            <a:off x="643467" y="1298448"/>
+            <a:ext cx="3685070" cy="3255264"/>
+          </a:xfrm>
+        </p:spPr>
+        <p:txBody>
+          <a:bodyPr>
+            <a:normAutofit/>
+          </a:bodyPr>
+          <a:lstStyle/>
+          <a:p>
+            <a:r>
+              <a:rPr lang="ru-RU" sz="5500"/>
+              <a:t>Интерфейс</a:t>
+            </a:r>
+          </a:p>
+        </p:txBody>
+      </p:sp>
+      <p:pic>
+        <p:nvPicPr>
+          <p:cNvPr id="2052" name="Picture 4" descr="Как управлять пультом ДУ разными устройствами">
+            <a:extLst>
+              <a:ext uri="{FF2B5EF4-FFF2-40B4-BE49-F238E27FC236}">
+                <a16:creationId xmlns:a16="http://schemas.microsoft.com/office/drawing/2014/main" id="{EB53B846-3275-4B7D-AAD4-1CC57C55429B}"/>
+              </a:ext>
+            </a:extLst>
+          </p:cNvPr>
+          <p:cNvPicPr>
+            <a:picLocks noChangeAspect="1" noChangeArrowheads="1"/>
+          </p:cNvPicPr>
+          <p:nvPr/>
+        </p:nvPicPr>
+        <p:blipFill rotWithShape="1">
+          <a:blip r:embed="rId2">
+            <a:extLst>
+              <a:ext uri="{28A0092B-C50C-407E-A947-70E740481C1C}">
+                <a14:useLocalDpi xmlns:a14="http://schemas.microsoft.com/office/drawing/2010/main" val="0"/>
+              </a:ext>
+            </a:extLst>
+          </a:blip>
+          <a:srcRect l="15289" r="5279"/>
+          <a:stretch/>
+        </p:blipFill>
+        <p:spPr bwMode="auto">
+          <a:xfrm>
+            <a:off x="5120640" y="759599"/>
+            <a:ext cx="6367271" cy="5330650"/>
+          </a:xfrm>
+          <a:prstGeom prst="rect">
+            <a:avLst/>
+          </a:prstGeom>
+          <a:noFill/>
+          <a:extLst>
+            <a:ext uri="{909E8E84-426E-40DD-AFC4-6F175D3DCCD1}">
+              <a14:hiddenFill xmlns:a14="http://schemas.microsoft.com/office/drawing/2010/main">
+                <a:solidFill>
+                  <a:srgbClr val="FFFFFF"/>
+                </a:solidFill>
+              </a14:hiddenFill>
+            </a:ext>
+          </a:extLst>
+        </p:spPr>
+      </p:pic>
+      <p:sp>
+        <p:nvSpPr>
+          <p:cNvPr id="194" name="Rectangle 193">
+            <a:extLst>
+              <a:ext uri="{FF2B5EF4-FFF2-40B4-BE49-F238E27FC236}">
+                <a16:creationId xmlns:a16="http://schemas.microsoft.com/office/drawing/2014/main" id="{027ADCA0-A066-4B16-8E1F-3C2483947B72}"/>
+              </a:ext>
+              <a:ext uri="{C183D7F6-B498-43B3-948B-1728B52AA6E4}">
+                <adec:decorative xmlns:adec="http://schemas.microsoft.com/office/drawing/2017/decorative" val="1"/>
+              </a:ext>
+            </a:extLst>
+          </p:cNvPr>
+          <p:cNvSpPr>
+            <a:spLocks noGrp="1" noRot="1" noChangeAspect="1" noMove="1" noResize="1" noEditPoints="1" noAdjustHandles="1" noChangeArrowheads="1" noChangeShapeType="1" noTextEdit="1"/>
+          </p:cNvSpPr>
+          <p:nvPr>
+            <p:extLst>
+              <p:ext uri="{386F3935-93C4-4BCD-93E2-E3B085C9AB24}">
+                <p16:designElem xmlns:p16="http://schemas.microsoft.com/office/powerpoint/2015/main" val="1"/>
+              </p:ext>
+            </p:extLst>
+          </p:nvPr>
+        </p:nvSpPr>
+        <p:spPr>
+          <a:xfrm>
+            <a:off x="11815864" y="758952"/>
+            <a:ext cx="384048" cy="5330952"/>
+          </a:xfrm>
+          <a:prstGeom prst="rect">
+            <a:avLst/>
+          </a:prstGeom>
+          <a:solidFill>
+            <a:srgbClr val="C8C8C8">
+              <a:alpha val="49804"/>
+            </a:srgbClr>
+          </a:solidFill>
+          <a:ln>
+            <a:noFill/>
+          </a:ln>
+        </p:spPr>
+        <p:style>
+          <a:lnRef idx="2">
+            <a:schemeClr val="accent1">
+              <a:shade val="50000"/>
+            </a:schemeClr>
+          </a:lnRef>
+          <a:fillRef idx="1">
+            <a:schemeClr val="accent1"/>
+          </a:fillRef>
+          <a:effectRef idx="0">
+            <a:schemeClr val="accent1"/>
+          </a:effectRef>
+          <a:fontRef idx="minor">
+            <a:schemeClr val="lt1"/>
+          </a:fontRef>
+        </p:style>
+      </p:sp>
+    </p:spTree>
+    <p:extLst>
+      <p:ext uri="{BB962C8B-B14F-4D97-AF65-F5344CB8AC3E}">
+        <p14:creationId xmlns:p14="http://schemas.microsoft.com/office/powerpoint/2010/main" val="2865277542"/>
+      </p:ext>
+    </p:extLst>
+  </p:cSld>
+  <p:clrMapOvr>
+    <a:masterClrMapping/>
+  </p:clrMapOvr>
+</p:sld>
+</file>
+
+<file path=ppt/slides/slide17.xml><?xml version="1.0" encoding="utf-8"?>
+<p:sld xmlns:a="http://schemas.openxmlformats.org/drawingml/2006/main" xmlns:r="http://schemas.openxmlformats.org/officeDocument/2006/relationships" xmlns:p="http://schemas.openxmlformats.org/presentationml/2006/main">
+  <p:cSld>
+    <p:bg>
+      <p:bgPr>
+        <a:solidFill>
+          <a:schemeClr val="bg1"/>
+        </a:solidFill>
+        <a:effectLst/>
+      </p:bgPr>
+    </p:bg>
+    <p:spTree>
+      <p:nvGrpSpPr>
+        <p:cNvPr id="1" name=""/>
+        <p:cNvGrpSpPr/>
+        <p:nvPr/>
+      </p:nvGrpSpPr>
+      <p:grpSpPr>
+        <a:xfrm>
+          <a:off x="0" y="0"/>
+          <a:ext cx="0" cy="0"/>
+          <a:chOff x="0" y="0"/>
+          <a:chExt cx="0" cy="0"/>
+        </a:xfrm>
+      </p:grpSpPr>
+      <p:sp useBgFill="1">
+        <p:nvSpPr>
+          <p:cNvPr id="135" name="Rectangle 134">
+            <a:extLst>
+              <a:ext uri="{FF2B5EF4-FFF2-40B4-BE49-F238E27FC236}">
+                <a16:creationId xmlns:a16="http://schemas.microsoft.com/office/drawing/2014/main" id="{66C7A97A-A7DE-4DFB-8542-1E4BF24C7D31}"/>
+              </a:ext>
+              <a:ext uri="{C183D7F6-B498-43B3-948B-1728B52AA6E4}">
+                <adec:decorative xmlns:adec="http://schemas.microsoft.com/office/drawing/2017/decorative" val="1"/>
+              </a:ext>
+            </a:extLst>
+          </p:cNvPr>
+          <p:cNvSpPr>
+            <a:spLocks noGrp="1" noRot="1" noChangeAspect="1" noMove="1" noResize="1" noEditPoints="1" noAdjustHandles="1" noChangeArrowheads="1" noChangeShapeType="1" noTextEdit="1"/>
+          </p:cNvSpPr>
+          <p:nvPr>
+            <p:extLst>
+              <p:ext uri="{386F3935-93C4-4BCD-93E2-E3B085C9AB24}">
+                <p16:designElem xmlns:p16="http://schemas.microsoft.com/office/powerpoint/2015/main" val="1"/>
+              </p:ext>
+            </p:extLst>
+          </p:nvPr>
+        </p:nvSpPr>
+        <p:spPr>
+          <a:xfrm>
+            <a:off x="0" y="0"/>
+            <a:ext cx="12191999" cy="6858000"/>
+          </a:xfrm>
+          <a:prstGeom prst="rect">
+            <a:avLst/>
+          </a:prstGeom>
+          <a:ln>
+            <a:noFill/>
+          </a:ln>
+        </p:spPr>
+        <p:style>
+          <a:lnRef idx="2">
+            <a:schemeClr val="accent1">
+              <a:shade val="50000"/>
+            </a:schemeClr>
+          </a:lnRef>
+          <a:fillRef idx="1">
+            <a:schemeClr val="accent1"/>
+          </a:fillRef>
+          <a:effectRef idx="0">
+            <a:schemeClr val="accent1"/>
+          </a:effectRef>
+          <a:fontRef idx="minor">
+            <a:schemeClr val="lt1"/>
+          </a:fontRef>
+        </p:style>
+        <p:txBody>
+          <a:bodyPr rtlCol="0" anchor="ctr"/>
+          <a:lstStyle/>
+          <a:p>
+            <a:pPr algn="ctr"/>
+            <a:endParaRPr lang="en-US"/>
+          </a:p>
+        </p:txBody>
+      </p:sp>
+      <p:sp>
+        <p:nvSpPr>
+          <p:cNvPr id="137" name="Rectangle 136">
+            <a:extLst>
+              <a:ext uri="{FF2B5EF4-FFF2-40B4-BE49-F238E27FC236}">
+                <a16:creationId xmlns:a16="http://schemas.microsoft.com/office/drawing/2014/main" id="{BE111DB0-3D73-4D20-9D57-CEF5A0D865B9}"/>
+              </a:ext>
+              <a:ext uri="{C183D7F6-B498-43B3-948B-1728B52AA6E4}">
+                <adec:decorative xmlns:adec="http://schemas.microsoft.com/office/drawing/2017/decorative" val="1"/>
+              </a:ext>
+            </a:extLst>
+          </p:cNvPr>
+          <p:cNvSpPr>
+            <a:spLocks noGrp="1" noRot="1" noChangeAspect="1" noMove="1" noResize="1" noEditPoints="1" noAdjustHandles="1" noChangeArrowheads="1" noChangeShapeType="1" noTextEdit="1"/>
+          </p:cNvSpPr>
+          <p:nvPr>
+            <p:extLst>
+              <p:ext uri="{386F3935-93C4-4BCD-93E2-E3B085C9AB24}">
+                <p16:designElem xmlns:p16="http://schemas.microsoft.com/office/powerpoint/2015/main" val="1"/>
+              </p:ext>
+            </p:extLst>
+          </p:nvPr>
+        </p:nvSpPr>
+        <p:spPr>
+          <a:xfrm>
+            <a:off x="1" y="761999"/>
+            <a:ext cx="4642228" cy="5334001"/>
+          </a:xfrm>
+          <a:prstGeom prst="rect">
+            <a:avLst/>
+          </a:prstGeom>
+          <a:solidFill>
+            <a:schemeClr val="accent1"/>
+          </a:solidFill>
+          <a:ln>
+            <a:noFill/>
+          </a:ln>
+        </p:spPr>
+        <p:style>
+          <a:lnRef idx="2">
+            <a:schemeClr val="accent1">
+              <a:shade val="50000"/>
+            </a:schemeClr>
+          </a:lnRef>
+          <a:fillRef idx="1">
+            <a:schemeClr val="accent1"/>
+          </a:fillRef>
+          <a:effectRef idx="0">
+            <a:schemeClr val="accent1"/>
+          </a:effectRef>
+          <a:fontRef idx="minor">
+            <a:schemeClr val="lt1"/>
+          </a:fontRef>
+        </p:style>
+      </p:sp>
+      <p:sp>
+        <p:nvSpPr>
+          <p:cNvPr id="2" name="Заголовок 1">
+            <a:extLst>
+              <a:ext uri="{FF2B5EF4-FFF2-40B4-BE49-F238E27FC236}">
+                <a16:creationId xmlns:a16="http://schemas.microsoft.com/office/drawing/2014/main" id="{911BF001-D88E-4D49-BE8B-47AF20F81F19}"/>
+              </a:ext>
+            </a:extLst>
+          </p:cNvPr>
+          <p:cNvSpPr>
+            <a:spLocks noGrp="1"/>
+          </p:cNvSpPr>
+          <p:nvPr>
+            <p:ph type="ctrTitle"/>
+          </p:nvPr>
+        </p:nvSpPr>
+        <p:spPr>
+          <a:xfrm>
+            <a:off x="643467" y="1298448"/>
+            <a:ext cx="3685070" cy="3255264"/>
+          </a:xfrm>
+        </p:spPr>
+        <p:txBody>
+          <a:bodyPr>
+            <a:normAutofit/>
+          </a:bodyPr>
+          <a:lstStyle/>
+          <a:p>
+            <a:r>
+              <a:rPr lang="ru-RU" sz="5500"/>
+              <a:t>Интерфейс</a:t>
+            </a:r>
+          </a:p>
+        </p:txBody>
+      </p:sp>
+      <p:pic>
+        <p:nvPicPr>
+          <p:cNvPr id="2050" name="Picture 2" descr="Три причины не заводить домашнее животное | greenbelarus.info">
+            <a:extLst>
+              <a:ext uri="{FF2B5EF4-FFF2-40B4-BE49-F238E27FC236}">
+                <a16:creationId xmlns:a16="http://schemas.microsoft.com/office/drawing/2014/main" id="{4340B739-B803-47A2-9199-C6B38C472084}"/>
+              </a:ext>
+            </a:extLst>
+          </p:cNvPr>
+          <p:cNvPicPr>
+            <a:picLocks noChangeAspect="1" noChangeArrowheads="1"/>
+          </p:cNvPicPr>
+          <p:nvPr/>
+        </p:nvPicPr>
+        <p:blipFill rotWithShape="1">
+          <a:blip r:embed="rId2">
+            <a:extLst>
+              <a:ext uri="{28A0092B-C50C-407E-A947-70E740481C1C}">
+                <a14:useLocalDpi xmlns:a14="http://schemas.microsoft.com/office/drawing/2010/main" val="0"/>
+              </a:ext>
+            </a:extLst>
+          </a:blip>
+          <a:srcRect l="8894" r="14062" b="-2"/>
+          <a:stretch/>
+        </p:blipFill>
+        <p:spPr bwMode="auto">
+          <a:xfrm>
+            <a:off x="5120640" y="759599"/>
+            <a:ext cx="6367271" cy="5330650"/>
+          </a:xfrm>
+          <a:prstGeom prst="rect">
+            <a:avLst/>
+          </a:prstGeom>
+          <a:noFill/>
+          <a:extLst>
+            <a:ext uri="{909E8E84-426E-40DD-AFC4-6F175D3DCCD1}">
+              <a14:hiddenFill xmlns:a14="http://schemas.microsoft.com/office/drawing/2010/main">
+                <a:solidFill>
+                  <a:srgbClr val="FFFFFF"/>
+                </a:solidFill>
+              </a14:hiddenFill>
+            </a:ext>
+          </a:extLst>
+        </p:spPr>
+      </p:pic>
+      <p:sp>
+        <p:nvSpPr>
+          <p:cNvPr id="139" name="Rectangle 138">
+            <a:extLst>
+              <a:ext uri="{FF2B5EF4-FFF2-40B4-BE49-F238E27FC236}">
+                <a16:creationId xmlns:a16="http://schemas.microsoft.com/office/drawing/2014/main" id="{027ADCA0-A066-4B16-8E1F-3C2483947B72}"/>
+              </a:ext>
+              <a:ext uri="{C183D7F6-B498-43B3-948B-1728B52AA6E4}">
+                <adec:decorative xmlns:adec="http://schemas.microsoft.com/office/drawing/2017/decorative" val="1"/>
+              </a:ext>
+            </a:extLst>
+          </p:cNvPr>
+          <p:cNvSpPr>
+            <a:spLocks noGrp="1" noRot="1" noChangeAspect="1" noMove="1" noResize="1" noEditPoints="1" noAdjustHandles="1" noChangeArrowheads="1" noChangeShapeType="1" noTextEdit="1"/>
+          </p:cNvSpPr>
+          <p:nvPr>
+            <p:extLst>
+              <p:ext uri="{386F3935-93C4-4BCD-93E2-E3B085C9AB24}">
+                <p16:designElem xmlns:p16="http://schemas.microsoft.com/office/powerpoint/2015/main" val="1"/>
+              </p:ext>
+            </p:extLst>
+          </p:nvPr>
+        </p:nvSpPr>
+        <p:spPr>
+          <a:xfrm>
+            <a:off x="11815864" y="758952"/>
+            <a:ext cx="384048" cy="5330952"/>
+          </a:xfrm>
+          <a:prstGeom prst="rect">
+            <a:avLst/>
+          </a:prstGeom>
+          <a:solidFill>
+            <a:srgbClr val="C8C8C8">
+              <a:alpha val="49804"/>
+            </a:srgbClr>
+          </a:solidFill>
+          <a:ln>
+            <a:noFill/>
+          </a:ln>
+        </p:spPr>
+        <p:style>
+          <a:lnRef idx="2">
+            <a:schemeClr val="accent1">
+              <a:shade val="50000"/>
+            </a:schemeClr>
+          </a:lnRef>
+          <a:fillRef idx="1">
+            <a:schemeClr val="accent1"/>
+          </a:fillRef>
+          <a:effectRef idx="0">
+            <a:schemeClr val="accent1"/>
+          </a:effectRef>
+          <a:fontRef idx="minor">
+            <a:schemeClr val="lt1"/>
+          </a:fontRef>
+        </p:style>
+      </p:sp>
+    </p:spTree>
+    <p:extLst>
+      <p:ext uri="{BB962C8B-B14F-4D97-AF65-F5344CB8AC3E}">
+        <p14:creationId xmlns:p14="http://schemas.microsoft.com/office/powerpoint/2010/main" val="4249325993"/>
+      </p:ext>
+    </p:extLst>
+  </p:cSld>
+  <p:clrMapOvr>
+    <a:masterClrMapping/>
+  </p:clrMapOvr>
+</p:sld>
+</file>
+
+<file path=ppt/slides/slide18.xml><?xml version="1.0" encoding="utf-8"?>
+<p:sld xmlns:a="http://schemas.openxmlformats.org/drawingml/2006/main" xmlns:r="http://schemas.openxmlformats.org/officeDocument/2006/relationships" xmlns:p="http://schemas.openxmlformats.org/presentationml/2006/main">
+  <p:cSld>
+    <p:bg>
+      <p:bgPr>
+        <a:solidFill>
+          <a:schemeClr val="bg1"/>
+        </a:solidFill>
+        <a:effectLst/>
+      </p:bgPr>
+    </p:bg>
+    <p:spTree>
+      <p:nvGrpSpPr>
+        <p:cNvPr id="1" name=""/>
+        <p:cNvGrpSpPr/>
+        <p:nvPr/>
+      </p:nvGrpSpPr>
+      <p:grpSpPr>
+        <a:xfrm>
+          <a:off x="0" y="0"/>
+          <a:ext cx="0" cy="0"/>
+          <a:chOff x="0" y="0"/>
+          <a:chExt cx="0" cy="0"/>
+        </a:xfrm>
+      </p:grpSpPr>
+      <p:sp useBgFill="1">
+        <p:nvSpPr>
+          <p:cNvPr id="80" name="Rectangle 79">
+            <a:extLst>
+              <a:ext uri="{FF2B5EF4-FFF2-40B4-BE49-F238E27FC236}">
+                <a16:creationId xmlns:a16="http://schemas.microsoft.com/office/drawing/2014/main" id="{9203ABB4-7E2A-4248-9FE7-4A419AFF2F17}"/>
+              </a:ext>
+              <a:ext uri="{C183D7F6-B498-43B3-948B-1728B52AA6E4}">
+                <adec:decorative xmlns:adec="http://schemas.microsoft.com/office/drawing/2017/decorative" val="1"/>
+              </a:ext>
+            </a:extLst>
+          </p:cNvPr>
+          <p:cNvSpPr>
+            <a:spLocks noGrp="1" noRot="1" noChangeAspect="1" noMove="1" noResize="1" noEditPoints="1" noAdjustHandles="1" noChangeArrowheads="1" noChangeShapeType="1" noTextEdit="1"/>
+          </p:cNvSpPr>
+          <p:nvPr>
+            <p:extLst>
+              <p:ext uri="{386F3935-93C4-4BCD-93E2-E3B085C9AB24}">
+                <p16:designElem xmlns:p16="http://schemas.microsoft.com/office/powerpoint/2015/main" val="1"/>
+              </p:ext>
+            </p:extLst>
+          </p:nvPr>
+        </p:nvSpPr>
+        <p:spPr>
+          <a:xfrm>
+            <a:off x="0" y="0"/>
+            <a:ext cx="12191999" cy="6858000"/>
+          </a:xfrm>
+          <a:prstGeom prst="rect">
+            <a:avLst/>
+          </a:prstGeom>
+          <a:ln>
+            <a:noFill/>
+          </a:ln>
+        </p:spPr>
+        <p:style>
+          <a:lnRef idx="2">
+            <a:schemeClr val="accent1">
+              <a:shade val="50000"/>
+            </a:schemeClr>
+          </a:lnRef>
+          <a:fillRef idx="1">
+            <a:schemeClr val="accent1"/>
+          </a:fillRef>
+          <a:effectRef idx="0">
+            <a:schemeClr val="accent1"/>
+          </a:effectRef>
+          <a:fontRef idx="minor">
+            <a:schemeClr val="lt1"/>
+          </a:fontRef>
+        </p:style>
+        <p:txBody>
+          <a:bodyPr rtlCol="0" anchor="ctr"/>
+          <a:lstStyle/>
+          <a:p>
+            <a:pPr algn="ctr"/>
+            <a:endParaRPr lang="en-US"/>
+          </a:p>
+        </p:txBody>
+      </p:sp>
+      <p:sp>
+        <p:nvSpPr>
+          <p:cNvPr id="82" name="Rectangle 81">
+            <a:extLst>
+              <a:ext uri="{FF2B5EF4-FFF2-40B4-BE49-F238E27FC236}">
+                <a16:creationId xmlns:a16="http://schemas.microsoft.com/office/drawing/2014/main" id="{3126970D-C1E5-4FB1-84E8-86CB9CED1C80}"/>
+              </a:ext>
+              <a:ext uri="{C183D7F6-B498-43B3-948B-1728B52AA6E4}">
+                <adec:decorative xmlns:adec="http://schemas.microsoft.com/office/drawing/2017/decorative" val="1"/>
+              </a:ext>
+            </a:extLst>
+          </p:cNvPr>
+          <p:cNvSpPr>
+            <a:spLocks noGrp="1" noRot="1" noChangeAspect="1" noMove="1" noResize="1" noEditPoints="1" noAdjustHandles="1" noChangeArrowheads="1" noChangeShapeType="1" noTextEdit="1"/>
+          </p:cNvSpPr>
+          <p:nvPr>
+            <p:extLst>
+              <p:ext uri="{386F3935-93C4-4BCD-93E2-E3B085C9AB24}">
+                <p16:designElem xmlns:p16="http://schemas.microsoft.com/office/powerpoint/2015/main" val="1"/>
+              </p:ext>
+            </p:extLst>
+          </p:nvPr>
+        </p:nvSpPr>
+        <p:spPr>
+          <a:xfrm>
+            <a:off x="0" y="4367639"/>
+            <a:ext cx="11707367" cy="1852186"/>
+          </a:xfrm>
+          <a:prstGeom prst="rect">
+            <a:avLst/>
+          </a:prstGeom>
+          <a:solidFill>
+            <a:schemeClr val="accent1"/>
+          </a:solidFill>
+          <a:ln>
+            <a:noFill/>
+          </a:ln>
+        </p:spPr>
+        <p:style>
+          <a:lnRef idx="2">
+            <a:schemeClr val="accent1">
+              <a:shade val="50000"/>
+            </a:schemeClr>
+          </a:lnRef>
+          <a:fillRef idx="1">
+            <a:schemeClr val="accent1"/>
+          </a:fillRef>
+          <a:effectRef idx="0">
+            <a:schemeClr val="accent1"/>
+          </a:effectRef>
+          <a:fontRef idx="minor">
+            <a:schemeClr val="lt1"/>
+          </a:fontRef>
+        </p:style>
+      </p:sp>
+      <p:sp>
+        <p:nvSpPr>
+          <p:cNvPr id="2" name="Заголовок 1">
+            <a:extLst>
+              <a:ext uri="{FF2B5EF4-FFF2-40B4-BE49-F238E27FC236}">
+                <a16:creationId xmlns:a16="http://schemas.microsoft.com/office/drawing/2014/main" id="{911BF001-D88E-4D49-BE8B-47AF20F81F19}"/>
+              </a:ext>
+            </a:extLst>
+          </p:cNvPr>
+          <p:cNvSpPr>
+            <a:spLocks noGrp="1"/>
+          </p:cNvSpPr>
+          <p:nvPr>
+            <p:ph type="ctrTitle"/>
+          </p:nvPr>
+        </p:nvSpPr>
+        <p:spPr>
+          <a:xfrm>
+            <a:off x="1069848" y="4590661"/>
+            <a:ext cx="10210862" cy="1065690"/>
+          </a:xfrm>
+        </p:spPr>
+        <p:txBody>
+          <a:bodyPr>
+            <a:normAutofit/>
+          </a:bodyPr>
+          <a:lstStyle/>
+          <a:p>
+            <a:r>
+              <a:rPr lang="ru-RU" dirty="0"/>
+              <a:t>Интерфейс</a:t>
+            </a:r>
+            <a:r>
+              <a:rPr lang="en-US" dirty="0"/>
+              <a:t> </a:t>
+            </a:r>
+            <a:r>
+              <a:rPr lang="ru-RU" dirty="0"/>
+              <a:t>или класс?</a:t>
+            </a:r>
+          </a:p>
+        </p:txBody>
+      </p:sp>
+      <p:pic>
+        <p:nvPicPr>
+          <p:cNvPr id="4" name="Рисунок 3">
+            <a:extLst>
+              <a:ext uri="{FF2B5EF4-FFF2-40B4-BE49-F238E27FC236}">
+                <a16:creationId xmlns:a16="http://schemas.microsoft.com/office/drawing/2014/main" id="{FFBFB3A7-19CB-49DC-A353-F16734C3AA86}"/>
+              </a:ext>
+            </a:extLst>
+          </p:cNvPr>
+          <p:cNvPicPr>
+            <a:picLocks noChangeAspect="1"/>
+          </p:cNvPicPr>
+          <p:nvPr/>
+        </p:nvPicPr>
+        <p:blipFill rotWithShape="1">
+          <a:blip r:embed="rId2"/>
+          <a:srcRect l="27700" t="30521" r="16050" b="21155"/>
+          <a:stretch/>
+        </p:blipFill>
+        <p:spPr>
+          <a:xfrm>
+            <a:off x="2057413" y="276294"/>
+            <a:ext cx="8235731" cy="3979834"/>
+          </a:xfrm>
+          <a:prstGeom prst="rect">
+            <a:avLst/>
+          </a:prstGeom>
+        </p:spPr>
+      </p:pic>
+    </p:spTree>
+    <p:extLst>
+      <p:ext uri="{BB962C8B-B14F-4D97-AF65-F5344CB8AC3E}">
+        <p14:creationId xmlns:p14="http://schemas.microsoft.com/office/powerpoint/2010/main" val="1401922251"/>
+      </p:ext>
+    </p:extLst>
+  </p:cSld>
+  <p:clrMapOvr>
+    <a:masterClrMapping/>
+  </p:clrMapOvr>
+</p:sld>
+</file>
+
+<file path=ppt/slides/slide19.xml><?xml version="1.0" encoding="utf-8"?>
+<p:sld xmlns:a="http://schemas.openxmlformats.org/drawingml/2006/main" xmlns:r="http://schemas.openxmlformats.org/officeDocument/2006/relationships" xmlns:p="http://schemas.openxmlformats.org/presentationml/2006/main">
+  <p:cSld>
+    <p:bg>
+      <p:bgPr>
+        <a:solidFill>
+          <a:schemeClr val="bg1"/>
+        </a:solidFill>
+        <a:effectLst/>
+      </p:bgPr>
+    </p:bg>
+    <p:spTree>
+      <p:nvGrpSpPr>
+        <p:cNvPr id="1" name=""/>
+        <p:cNvGrpSpPr/>
+        <p:nvPr/>
+      </p:nvGrpSpPr>
+      <p:grpSpPr>
+        <a:xfrm>
+          <a:off x="0" y="0"/>
+          <a:ext cx="0" cy="0"/>
+          <a:chOff x="0" y="0"/>
+          <a:chExt cx="0" cy="0"/>
+        </a:xfrm>
+      </p:grpSpPr>
+      <p:sp useBgFill="1">
+        <p:nvSpPr>
+          <p:cNvPr id="80" name="Rectangle 79">
+            <a:extLst>
+              <a:ext uri="{FF2B5EF4-FFF2-40B4-BE49-F238E27FC236}">
+                <a16:creationId xmlns:a16="http://schemas.microsoft.com/office/drawing/2014/main" id="{9203ABB4-7E2A-4248-9FE7-4A419AFF2F17}"/>
+              </a:ext>
+              <a:ext uri="{C183D7F6-B498-43B3-948B-1728B52AA6E4}">
+                <adec:decorative xmlns:adec="http://schemas.microsoft.com/office/drawing/2017/decorative" val="1"/>
+              </a:ext>
+            </a:extLst>
+          </p:cNvPr>
+          <p:cNvSpPr>
+            <a:spLocks noGrp="1" noRot="1" noChangeAspect="1" noMove="1" noResize="1" noEditPoints="1" noAdjustHandles="1" noChangeArrowheads="1" noChangeShapeType="1" noTextEdit="1"/>
+          </p:cNvSpPr>
+          <p:nvPr>
+            <p:extLst>
+              <p:ext uri="{386F3935-93C4-4BCD-93E2-E3B085C9AB24}">
+                <p16:designElem xmlns:p16="http://schemas.microsoft.com/office/powerpoint/2015/main" val="1"/>
+              </p:ext>
+            </p:extLst>
+          </p:nvPr>
+        </p:nvSpPr>
+        <p:spPr>
+          <a:xfrm>
+            <a:off x="0" y="0"/>
+            <a:ext cx="12191999" cy="6858000"/>
+          </a:xfrm>
+          <a:prstGeom prst="rect">
+            <a:avLst/>
+          </a:prstGeom>
+          <a:ln>
+            <a:noFill/>
+          </a:ln>
+        </p:spPr>
+        <p:style>
+          <a:lnRef idx="2">
+            <a:schemeClr val="accent1">
+              <a:shade val="50000"/>
+            </a:schemeClr>
+          </a:lnRef>
+          <a:fillRef idx="1">
+            <a:schemeClr val="accent1"/>
+          </a:fillRef>
+          <a:effectRef idx="0">
+            <a:schemeClr val="accent1"/>
+          </a:effectRef>
+          <a:fontRef idx="minor">
+            <a:schemeClr val="lt1"/>
+          </a:fontRef>
+        </p:style>
+        <p:txBody>
+          <a:bodyPr rtlCol="0" anchor="ctr"/>
+          <a:lstStyle/>
+          <a:p>
+            <a:pPr algn="ctr"/>
+            <a:endParaRPr lang="en-US"/>
+          </a:p>
+        </p:txBody>
+      </p:sp>
+      <p:sp>
+        <p:nvSpPr>
+          <p:cNvPr id="82" name="Rectangle 81">
+            <a:extLst>
+              <a:ext uri="{FF2B5EF4-FFF2-40B4-BE49-F238E27FC236}">
+                <a16:creationId xmlns:a16="http://schemas.microsoft.com/office/drawing/2014/main" id="{3126970D-C1E5-4FB1-84E8-86CB9CED1C80}"/>
+              </a:ext>
+              <a:ext uri="{C183D7F6-B498-43B3-948B-1728B52AA6E4}">
+                <adec:decorative xmlns:adec="http://schemas.microsoft.com/office/drawing/2017/decorative" val="1"/>
+              </a:ext>
+            </a:extLst>
+          </p:cNvPr>
+          <p:cNvSpPr>
+            <a:spLocks noGrp="1" noRot="1" noChangeAspect="1" noMove="1" noResize="1" noEditPoints="1" noAdjustHandles="1" noChangeArrowheads="1" noChangeShapeType="1" noTextEdit="1"/>
+          </p:cNvSpPr>
+          <p:nvPr>
+            <p:extLst>
+              <p:ext uri="{386F3935-93C4-4BCD-93E2-E3B085C9AB24}">
+                <p16:designElem xmlns:p16="http://schemas.microsoft.com/office/powerpoint/2015/main" val="1"/>
+              </p:ext>
+            </p:extLst>
+          </p:nvPr>
+        </p:nvSpPr>
+        <p:spPr>
+          <a:xfrm>
+            <a:off x="0" y="4367639"/>
+            <a:ext cx="11707367" cy="1852186"/>
+          </a:xfrm>
+          <a:prstGeom prst="rect">
+            <a:avLst/>
+          </a:prstGeom>
+          <a:solidFill>
+            <a:schemeClr val="accent1"/>
+          </a:solidFill>
+          <a:ln>
+            <a:noFill/>
+          </a:ln>
+        </p:spPr>
+        <p:style>
+          <a:lnRef idx="2">
+            <a:schemeClr val="accent1">
+              <a:shade val="50000"/>
+            </a:schemeClr>
+          </a:lnRef>
+          <a:fillRef idx="1">
+            <a:schemeClr val="accent1"/>
+          </a:fillRef>
+          <a:effectRef idx="0">
+            <a:schemeClr val="accent1"/>
+          </a:effectRef>
+          <a:fontRef idx="minor">
+            <a:schemeClr val="lt1"/>
+          </a:fontRef>
+        </p:style>
+      </p:sp>
+      <p:sp>
+        <p:nvSpPr>
+          <p:cNvPr id="2" name="Заголовок 1">
+            <a:extLst>
+              <a:ext uri="{FF2B5EF4-FFF2-40B4-BE49-F238E27FC236}">
+                <a16:creationId xmlns:a16="http://schemas.microsoft.com/office/drawing/2014/main" id="{911BF001-D88E-4D49-BE8B-47AF20F81F19}"/>
+              </a:ext>
+            </a:extLst>
+          </p:cNvPr>
+          <p:cNvSpPr>
+            <a:spLocks noGrp="1"/>
+          </p:cNvSpPr>
+          <p:nvPr>
+            <p:ph type="ctrTitle"/>
+          </p:nvPr>
+        </p:nvSpPr>
+        <p:spPr>
+          <a:xfrm>
+            <a:off x="1069848" y="4590661"/>
+            <a:ext cx="10210862" cy="1065690"/>
+          </a:xfrm>
+        </p:spPr>
+        <p:txBody>
+          <a:bodyPr>
+            <a:normAutofit/>
+          </a:bodyPr>
+          <a:lstStyle/>
+          <a:p>
+            <a:r>
+              <a:rPr lang="ru-RU" dirty="0"/>
+              <a:t>Интерфейс</a:t>
+            </a:r>
+          </a:p>
+        </p:txBody>
+      </p:sp>
+      <p:sp>
+        <p:nvSpPr>
+          <p:cNvPr id="5" name="Прямоугольник 4">
+            <a:extLst>
+              <a:ext uri="{FF2B5EF4-FFF2-40B4-BE49-F238E27FC236}">
+                <a16:creationId xmlns:a16="http://schemas.microsoft.com/office/drawing/2014/main" id="{8E5F9326-BDF9-4886-BF85-D50D0FBF537C}"/>
+              </a:ext>
+            </a:extLst>
+          </p:cNvPr>
+          <p:cNvSpPr/>
+          <p:nvPr/>
+        </p:nvSpPr>
+        <p:spPr>
+          <a:xfrm>
+            <a:off x="239519" y="1498321"/>
+            <a:ext cx="3143296" cy="1200329"/>
+          </a:xfrm>
+          <a:prstGeom prst="rect">
+            <a:avLst/>
+          </a:prstGeom>
+          <a:ln>
+            <a:solidFill>
+              <a:schemeClr val="tx1">
+                <a:lumMod val="65000"/>
+                <a:lumOff val="35000"/>
+              </a:schemeClr>
+            </a:solidFill>
+          </a:ln>
+        </p:spPr>
+        <p:txBody>
+          <a:bodyPr wrap="none">
+            <a:spAutoFit/>
+          </a:bodyPr>
+          <a:lstStyle/>
+          <a:p>
+            <a:r>
+              <a:rPr lang="en-US" sz="2400" b="1" dirty="0">
+                <a:solidFill>
+                  <a:srgbClr val="000080"/>
+                </a:solidFill>
+                <a:latin typeface="Menlo"/>
+              </a:rPr>
+              <a:t>public interface</a:t>
+            </a:r>
+            <a:r>
+              <a:rPr lang="en-US" sz="2400" dirty="0">
+                <a:solidFill>
+                  <a:srgbClr val="000000"/>
+                </a:solidFill>
+                <a:latin typeface="Menlo"/>
+              </a:rPr>
+              <a:t> Voice</a:t>
+            </a:r>
+            <a:r>
+              <a:rPr lang="ru-RU" sz="2400" dirty="0">
+                <a:solidFill>
+                  <a:srgbClr val="000000"/>
+                </a:solidFill>
+                <a:latin typeface="Menlo"/>
+              </a:rPr>
+              <a:t> { </a:t>
+            </a:r>
+            <a:endParaRPr lang="en-US" sz="2400" dirty="0">
+              <a:solidFill>
+                <a:srgbClr val="000000"/>
+              </a:solidFill>
+              <a:latin typeface="Menlo"/>
+            </a:endParaRPr>
+          </a:p>
+          <a:p>
+            <a:r>
+              <a:rPr lang="en-US" sz="2400" b="1" dirty="0">
+                <a:solidFill>
+                  <a:srgbClr val="000080"/>
+                </a:solidFill>
+                <a:latin typeface="Menlo"/>
+              </a:rPr>
+              <a:t>	void</a:t>
+            </a:r>
+            <a:r>
+              <a:rPr lang="en-US" sz="2400" dirty="0">
+                <a:solidFill>
+                  <a:srgbClr val="000000"/>
+                </a:solidFill>
+                <a:latin typeface="Menlo"/>
+              </a:rPr>
+              <a:t> voice</a:t>
+            </a:r>
+            <a:r>
+              <a:rPr lang="ru-RU" sz="2400" dirty="0">
+                <a:solidFill>
+                  <a:srgbClr val="000000"/>
+                </a:solidFill>
+                <a:latin typeface="Menlo"/>
+              </a:rPr>
+              <a:t>();</a:t>
+            </a:r>
+            <a:endParaRPr lang="en-US" sz="2400" dirty="0">
+              <a:solidFill>
+                <a:srgbClr val="000000"/>
+              </a:solidFill>
+              <a:latin typeface="Menlo"/>
+            </a:endParaRPr>
+          </a:p>
+          <a:p>
+            <a:r>
+              <a:rPr lang="ru-RU" sz="2400" dirty="0">
+                <a:solidFill>
+                  <a:srgbClr val="000000"/>
+                </a:solidFill>
+                <a:latin typeface="Menlo"/>
+              </a:rPr>
+              <a:t> }</a:t>
+            </a:r>
+            <a:endParaRPr lang="ru-RU" dirty="0"/>
+          </a:p>
+        </p:txBody>
+      </p:sp>
+      <p:sp>
+        <p:nvSpPr>
+          <p:cNvPr id="6" name="Прямоугольник 5">
+            <a:extLst>
+              <a:ext uri="{FF2B5EF4-FFF2-40B4-BE49-F238E27FC236}">
+                <a16:creationId xmlns:a16="http://schemas.microsoft.com/office/drawing/2014/main" id="{05802BAB-E745-4326-A377-1B3005B55FF1}"/>
+              </a:ext>
+            </a:extLst>
+          </p:cNvPr>
+          <p:cNvSpPr/>
+          <p:nvPr/>
+        </p:nvSpPr>
+        <p:spPr>
+          <a:xfrm>
+            <a:off x="3944644" y="475660"/>
+            <a:ext cx="2997693" cy="3139321"/>
+          </a:xfrm>
+          <a:prstGeom prst="rect">
+            <a:avLst/>
+          </a:prstGeom>
+          <a:ln>
+            <a:solidFill>
+              <a:schemeClr val="tx1">
+                <a:lumMod val="65000"/>
+                <a:lumOff val="35000"/>
+              </a:schemeClr>
+            </a:solidFill>
+          </a:ln>
+        </p:spPr>
+        <p:txBody>
+          <a:bodyPr wrap="square">
+            <a:spAutoFit/>
+          </a:bodyPr>
+          <a:lstStyle/>
+          <a:p>
+            <a:r>
+              <a:rPr lang="en-US" b="1" dirty="0">
+                <a:solidFill>
+                  <a:srgbClr val="000080"/>
+                </a:solidFill>
+                <a:latin typeface="Menlo"/>
+              </a:rPr>
+              <a:t>class</a:t>
+            </a:r>
+            <a:r>
+              <a:rPr lang="en-US" dirty="0">
+                <a:solidFill>
+                  <a:srgbClr val="000000"/>
+                </a:solidFill>
+                <a:latin typeface="Menlo"/>
+              </a:rPr>
+              <a:t> </a:t>
+            </a:r>
+            <a:r>
+              <a:rPr lang="en-US" dirty="0">
+                <a:solidFill>
+                  <a:srgbClr val="003CAB"/>
+                </a:solidFill>
+                <a:latin typeface="Menlo"/>
+              </a:rPr>
+              <a:t>Cat</a:t>
+            </a:r>
+            <a:r>
+              <a:rPr lang="ru-RU" dirty="0">
+                <a:solidFill>
+                  <a:srgbClr val="000000"/>
+                </a:solidFill>
+                <a:latin typeface="Menlo"/>
+              </a:rPr>
+              <a:t> </a:t>
+            </a:r>
+            <a:r>
+              <a:rPr lang="en-US" b="1" dirty="0">
+                <a:solidFill>
+                  <a:srgbClr val="FF0000"/>
+                </a:solidFill>
+                <a:latin typeface="Menlo"/>
+              </a:rPr>
+              <a:t>implements</a:t>
+            </a:r>
+            <a:r>
+              <a:rPr lang="en-US" dirty="0">
+                <a:solidFill>
+                  <a:srgbClr val="000000"/>
+                </a:solidFill>
+                <a:latin typeface="Menlo"/>
+              </a:rPr>
+              <a:t> Voice</a:t>
+            </a:r>
+            <a:r>
+              <a:rPr lang="ru-RU" dirty="0">
+                <a:solidFill>
+                  <a:srgbClr val="000000"/>
+                </a:solidFill>
+                <a:latin typeface="Menlo"/>
+              </a:rPr>
+              <a:t> {</a:t>
+            </a:r>
+            <a:endParaRPr lang="en-US" dirty="0">
+              <a:solidFill>
+                <a:srgbClr val="000000"/>
+              </a:solidFill>
+              <a:latin typeface="Menlo"/>
+            </a:endParaRPr>
+          </a:p>
+          <a:p>
+            <a:r>
+              <a:rPr lang="en-US" dirty="0">
+                <a:solidFill>
+                  <a:srgbClr val="000000"/>
+                </a:solidFill>
+                <a:latin typeface="Menlo"/>
+              </a:rPr>
+              <a:t>	</a:t>
+            </a:r>
+            <a:r>
+              <a:rPr lang="ru-RU" dirty="0">
+                <a:solidFill>
+                  <a:srgbClr val="000000"/>
+                </a:solidFill>
+                <a:latin typeface="Menlo"/>
+              </a:rPr>
+              <a:t> </a:t>
+            </a:r>
+            <a:r>
+              <a:rPr lang="en-US" b="1" dirty="0">
+                <a:solidFill>
+                  <a:srgbClr val="000080"/>
+                </a:solidFill>
+                <a:latin typeface="Menlo"/>
+              </a:rPr>
+              <a:t>void</a:t>
+            </a:r>
+            <a:r>
+              <a:rPr lang="en-US" dirty="0">
+                <a:solidFill>
+                  <a:srgbClr val="000000"/>
+                </a:solidFill>
+                <a:latin typeface="Menlo"/>
+              </a:rPr>
+              <a:t> voice</a:t>
+            </a:r>
+            <a:r>
+              <a:rPr lang="ru-RU" dirty="0">
+                <a:solidFill>
+                  <a:srgbClr val="000000"/>
+                </a:solidFill>
+                <a:latin typeface="Menlo"/>
+              </a:rPr>
+              <a:t>() {</a:t>
+            </a:r>
+            <a:endParaRPr lang="en-US" dirty="0">
+              <a:solidFill>
+                <a:srgbClr val="000000"/>
+              </a:solidFill>
+              <a:latin typeface="Menlo"/>
+            </a:endParaRPr>
+          </a:p>
+          <a:p>
+            <a:r>
+              <a:rPr lang="en-US" dirty="0">
+                <a:solidFill>
+                  <a:srgbClr val="000000"/>
+                </a:solidFill>
+                <a:latin typeface="Menlo"/>
+              </a:rPr>
+              <a:t>		</a:t>
+            </a:r>
+            <a:r>
+              <a:rPr lang="ru-RU" dirty="0">
+                <a:solidFill>
+                  <a:srgbClr val="000000"/>
+                </a:solidFill>
+                <a:latin typeface="Menlo"/>
+              </a:rPr>
+              <a:t> </a:t>
+            </a:r>
+            <a:r>
+              <a:rPr lang="en-US" dirty="0">
+                <a:solidFill>
+                  <a:srgbClr val="000000"/>
+                </a:solidFill>
+                <a:latin typeface="Menlo"/>
+              </a:rPr>
+              <a:t>S(</a:t>
+            </a:r>
+            <a:r>
+              <a:rPr lang="en-US" dirty="0">
+                <a:solidFill>
+                  <a:srgbClr val="008000"/>
+                </a:solidFill>
+                <a:latin typeface="Menlo"/>
+              </a:rPr>
+              <a:t>"</a:t>
+            </a:r>
+            <a:r>
+              <a:rPr lang="ru-RU" dirty="0">
+                <a:solidFill>
+                  <a:srgbClr val="008000"/>
+                </a:solidFill>
+                <a:latin typeface="Menlo"/>
+              </a:rPr>
+              <a:t>МЯУ"</a:t>
+            </a:r>
+            <a:r>
+              <a:rPr lang="ru-RU" dirty="0">
+                <a:solidFill>
+                  <a:srgbClr val="000000"/>
+                </a:solidFill>
+                <a:latin typeface="Menlo"/>
+              </a:rPr>
+              <a:t>);</a:t>
+            </a:r>
+            <a:endParaRPr lang="en-US" dirty="0">
+              <a:solidFill>
+                <a:srgbClr val="000000"/>
+              </a:solidFill>
+              <a:latin typeface="Menlo"/>
+            </a:endParaRPr>
+          </a:p>
+          <a:p>
+            <a:r>
+              <a:rPr lang="ru-RU" dirty="0">
+                <a:solidFill>
+                  <a:srgbClr val="000000"/>
+                </a:solidFill>
+                <a:latin typeface="Menlo"/>
+              </a:rPr>
+              <a:t> </a:t>
+            </a:r>
+            <a:r>
+              <a:rPr lang="en-US" dirty="0">
+                <a:solidFill>
+                  <a:srgbClr val="000000"/>
+                </a:solidFill>
+                <a:latin typeface="Menlo"/>
+              </a:rPr>
+              <a:t>	 </a:t>
+            </a:r>
+            <a:r>
+              <a:rPr lang="ru-RU" dirty="0">
+                <a:solidFill>
+                  <a:srgbClr val="000000"/>
+                </a:solidFill>
+                <a:latin typeface="Menlo"/>
+              </a:rPr>
+              <a:t>}</a:t>
+            </a:r>
+            <a:endParaRPr lang="en-US" dirty="0">
+              <a:solidFill>
+                <a:srgbClr val="000000"/>
+              </a:solidFill>
+              <a:latin typeface="Menlo"/>
+            </a:endParaRPr>
+          </a:p>
+          <a:p>
+            <a:r>
+              <a:rPr lang="ru-RU" dirty="0">
+                <a:solidFill>
+                  <a:srgbClr val="000000"/>
+                </a:solidFill>
+                <a:latin typeface="Menlo"/>
+              </a:rPr>
+              <a:t> }</a:t>
+            </a:r>
+          </a:p>
+          <a:p>
+            <a:endParaRPr lang="az-Cyrl-AZ" dirty="0">
+              <a:solidFill>
+                <a:srgbClr val="000000"/>
+              </a:solidFill>
+              <a:latin typeface="Menlo"/>
+            </a:endParaRPr>
+          </a:p>
+          <a:p>
+            <a:r>
+              <a:rPr lang="en-US" b="1" dirty="0">
+                <a:solidFill>
+                  <a:srgbClr val="000080"/>
+                </a:solidFill>
+                <a:latin typeface="Menlo"/>
+              </a:rPr>
+              <a:t>class</a:t>
+            </a:r>
+            <a:r>
+              <a:rPr lang="en-US" dirty="0">
+                <a:solidFill>
+                  <a:srgbClr val="000000"/>
+                </a:solidFill>
+                <a:latin typeface="Menlo"/>
+              </a:rPr>
+              <a:t> </a:t>
+            </a:r>
+            <a:r>
+              <a:rPr lang="en-US" dirty="0">
+                <a:solidFill>
+                  <a:srgbClr val="003CAB"/>
+                </a:solidFill>
+                <a:latin typeface="Menlo"/>
+              </a:rPr>
+              <a:t>Dog</a:t>
+            </a:r>
+            <a:r>
+              <a:rPr lang="ru-RU" dirty="0">
+                <a:solidFill>
+                  <a:srgbClr val="000000"/>
+                </a:solidFill>
+                <a:latin typeface="Menlo"/>
+              </a:rPr>
+              <a:t> </a:t>
+            </a:r>
+            <a:r>
+              <a:rPr lang="en-US" b="1" dirty="0">
+                <a:solidFill>
+                  <a:srgbClr val="FF0000"/>
+                </a:solidFill>
+                <a:latin typeface="Menlo"/>
+              </a:rPr>
+              <a:t>implements</a:t>
+            </a:r>
+            <a:r>
+              <a:rPr lang="en-US" dirty="0">
+                <a:solidFill>
+                  <a:srgbClr val="000000"/>
+                </a:solidFill>
+                <a:latin typeface="Menlo"/>
+              </a:rPr>
+              <a:t> Voice</a:t>
+            </a:r>
+            <a:r>
+              <a:rPr lang="ru-RU" dirty="0">
+                <a:solidFill>
+                  <a:srgbClr val="000000"/>
+                </a:solidFill>
+                <a:latin typeface="Menlo"/>
+              </a:rPr>
+              <a:t> {</a:t>
+            </a:r>
+            <a:endParaRPr lang="en-US" dirty="0">
+              <a:solidFill>
+                <a:srgbClr val="000000"/>
+              </a:solidFill>
+              <a:latin typeface="Menlo"/>
+            </a:endParaRPr>
+          </a:p>
+          <a:p>
+            <a:r>
+              <a:rPr lang="en-US" dirty="0">
+                <a:solidFill>
+                  <a:srgbClr val="000000"/>
+                </a:solidFill>
+                <a:latin typeface="Menlo"/>
+              </a:rPr>
+              <a:t>	</a:t>
+            </a:r>
+            <a:r>
+              <a:rPr lang="ru-RU" dirty="0">
+                <a:solidFill>
+                  <a:srgbClr val="000000"/>
+                </a:solidFill>
+                <a:latin typeface="Menlo"/>
+              </a:rPr>
+              <a:t> </a:t>
+            </a:r>
+            <a:r>
+              <a:rPr lang="en-US" b="1" dirty="0">
+                <a:solidFill>
+                  <a:srgbClr val="000080"/>
+                </a:solidFill>
+                <a:latin typeface="Menlo"/>
+              </a:rPr>
+              <a:t>void</a:t>
+            </a:r>
+            <a:r>
+              <a:rPr lang="en-US" dirty="0">
+                <a:solidFill>
+                  <a:srgbClr val="000000"/>
+                </a:solidFill>
+                <a:latin typeface="Menlo"/>
+              </a:rPr>
+              <a:t> voice</a:t>
+            </a:r>
+            <a:r>
+              <a:rPr lang="ru-RU" dirty="0">
+                <a:solidFill>
+                  <a:srgbClr val="000000"/>
+                </a:solidFill>
+                <a:latin typeface="Menlo"/>
+              </a:rPr>
+              <a:t>() {</a:t>
+            </a:r>
+            <a:endParaRPr lang="en-US" dirty="0">
+              <a:solidFill>
+                <a:srgbClr val="000000"/>
+              </a:solidFill>
+              <a:latin typeface="Menlo"/>
+            </a:endParaRPr>
+          </a:p>
+          <a:p>
+            <a:r>
+              <a:rPr lang="en-US" dirty="0">
+                <a:solidFill>
+                  <a:srgbClr val="000000"/>
+                </a:solidFill>
+                <a:latin typeface="Menlo"/>
+              </a:rPr>
+              <a:t>		</a:t>
+            </a:r>
+            <a:r>
+              <a:rPr lang="ru-RU" dirty="0">
+                <a:solidFill>
+                  <a:srgbClr val="000000"/>
+                </a:solidFill>
+                <a:latin typeface="Menlo"/>
+              </a:rPr>
+              <a:t> </a:t>
+            </a:r>
+            <a:r>
+              <a:rPr lang="en-US" dirty="0" err="1">
+                <a:solidFill>
+                  <a:srgbClr val="900606"/>
+                </a:solidFill>
+                <a:latin typeface="Menlo"/>
+              </a:rPr>
+              <a:t>println</a:t>
+            </a:r>
+            <a:r>
+              <a:rPr lang="en-US" dirty="0">
+                <a:solidFill>
+                  <a:srgbClr val="000000"/>
+                </a:solidFill>
+                <a:latin typeface="Menlo"/>
+              </a:rPr>
+              <a:t>(</a:t>
+            </a:r>
+            <a:r>
+              <a:rPr lang="ru-RU" dirty="0">
+                <a:solidFill>
+                  <a:srgbClr val="008000"/>
+                </a:solidFill>
+                <a:latin typeface="Menlo"/>
+              </a:rPr>
+              <a:t>"</a:t>
+            </a:r>
+            <a:r>
+              <a:rPr lang="az-Cyrl-AZ" dirty="0">
+                <a:solidFill>
+                  <a:srgbClr val="008000"/>
+                </a:solidFill>
+                <a:latin typeface="Menlo"/>
+              </a:rPr>
+              <a:t>ГАВ</a:t>
+            </a:r>
+            <a:r>
+              <a:rPr lang="ru-RU" dirty="0">
+                <a:solidFill>
+                  <a:srgbClr val="008000"/>
+                </a:solidFill>
+                <a:latin typeface="Menlo"/>
+              </a:rPr>
+              <a:t>"</a:t>
+            </a:r>
+            <a:r>
+              <a:rPr lang="ru-RU" dirty="0">
+                <a:solidFill>
+                  <a:srgbClr val="000000"/>
+                </a:solidFill>
+                <a:latin typeface="Menlo"/>
+              </a:rPr>
+              <a:t>);</a:t>
+            </a:r>
+            <a:endParaRPr lang="en-US" dirty="0">
+              <a:solidFill>
+                <a:srgbClr val="000000"/>
+              </a:solidFill>
+              <a:latin typeface="Menlo"/>
+            </a:endParaRPr>
+          </a:p>
+          <a:p>
+            <a:r>
+              <a:rPr lang="ru-RU" dirty="0">
+                <a:solidFill>
+                  <a:srgbClr val="000000"/>
+                </a:solidFill>
+                <a:latin typeface="Menlo"/>
+              </a:rPr>
+              <a:t> </a:t>
+            </a:r>
+            <a:r>
+              <a:rPr lang="en-US" dirty="0">
+                <a:solidFill>
+                  <a:srgbClr val="000000"/>
+                </a:solidFill>
+                <a:latin typeface="Menlo"/>
+              </a:rPr>
+              <a:t>	 </a:t>
+            </a:r>
+            <a:r>
+              <a:rPr lang="ru-RU" dirty="0">
+                <a:solidFill>
+                  <a:srgbClr val="000000"/>
+                </a:solidFill>
+                <a:latin typeface="Menlo"/>
+              </a:rPr>
+              <a:t>}</a:t>
+            </a:r>
+            <a:endParaRPr lang="en-US" dirty="0">
+              <a:solidFill>
+                <a:srgbClr val="000000"/>
+              </a:solidFill>
+              <a:latin typeface="Menlo"/>
+            </a:endParaRPr>
+          </a:p>
+          <a:p>
+            <a:r>
+              <a:rPr lang="ru-RU" dirty="0">
+                <a:solidFill>
+                  <a:srgbClr val="000000"/>
+                </a:solidFill>
+                <a:latin typeface="Menlo"/>
+              </a:rPr>
+              <a:t> }</a:t>
+            </a:r>
+            <a:endParaRPr lang="ru-RU" dirty="0"/>
+          </a:p>
+        </p:txBody>
+      </p:sp>
+      <p:sp>
+        <p:nvSpPr>
+          <p:cNvPr id="7" name="Прямоугольник 6">
+            <a:extLst>
+              <a:ext uri="{FF2B5EF4-FFF2-40B4-BE49-F238E27FC236}">
+                <a16:creationId xmlns:a16="http://schemas.microsoft.com/office/drawing/2014/main" id="{342677D4-25EF-462C-9FBC-03B099E93407}"/>
+              </a:ext>
+            </a:extLst>
+          </p:cNvPr>
+          <p:cNvSpPr/>
+          <p:nvPr/>
+        </p:nvSpPr>
+        <p:spPr>
+          <a:xfrm>
+            <a:off x="7815308" y="874534"/>
+            <a:ext cx="6096000" cy="923330"/>
+          </a:xfrm>
+          <a:prstGeom prst="rect">
+            <a:avLst/>
+          </a:prstGeom>
+        </p:spPr>
+        <p:txBody>
+          <a:bodyPr>
+            <a:spAutoFit/>
+          </a:bodyPr>
+          <a:lstStyle/>
+          <a:p>
+            <a:r>
+              <a:rPr lang="en-US" b="1" dirty="0">
+                <a:solidFill>
+                  <a:srgbClr val="000080"/>
+                </a:solidFill>
+                <a:latin typeface="Menlo"/>
+              </a:rPr>
+              <a:t>public</a:t>
+            </a:r>
+            <a:r>
+              <a:rPr lang="en-US" dirty="0">
+                <a:solidFill>
+                  <a:srgbClr val="000000"/>
+                </a:solidFill>
+                <a:latin typeface="Menlo"/>
+              </a:rPr>
+              <a:t> </a:t>
+            </a:r>
+            <a:r>
+              <a:rPr lang="en-US" b="1" dirty="0">
+                <a:solidFill>
+                  <a:srgbClr val="000080"/>
+                </a:solidFill>
+                <a:latin typeface="Menlo"/>
+              </a:rPr>
+              <a:t>static</a:t>
+            </a:r>
+            <a:r>
+              <a:rPr lang="en-US" dirty="0">
+                <a:solidFill>
+                  <a:srgbClr val="000000"/>
+                </a:solidFill>
+                <a:latin typeface="Menlo"/>
+              </a:rPr>
+              <a:t> </a:t>
+            </a:r>
+            <a:r>
+              <a:rPr lang="en-US" b="1" dirty="0">
+                <a:solidFill>
+                  <a:srgbClr val="000080"/>
+                </a:solidFill>
+                <a:latin typeface="Menlo"/>
+              </a:rPr>
+              <a:t>void</a:t>
+            </a:r>
+            <a:r>
+              <a:rPr lang="en-US" dirty="0">
+                <a:solidFill>
+                  <a:srgbClr val="000000"/>
+                </a:solidFill>
+                <a:latin typeface="Menlo"/>
+              </a:rPr>
+              <a:t> </a:t>
+            </a:r>
+            <a:r>
+              <a:rPr lang="en-US" dirty="0">
+                <a:solidFill>
+                  <a:srgbClr val="900606"/>
+                </a:solidFill>
+                <a:latin typeface="Menlo"/>
+              </a:rPr>
+              <a:t>main</a:t>
+            </a:r>
+            <a:r>
+              <a:rPr lang="en-US" dirty="0">
+                <a:solidFill>
+                  <a:srgbClr val="000000"/>
+                </a:solidFill>
+                <a:latin typeface="Menlo"/>
+              </a:rPr>
+              <a:t>(String[] </a:t>
+            </a:r>
+            <a:r>
+              <a:rPr lang="en-US" dirty="0" err="1">
+                <a:solidFill>
+                  <a:srgbClr val="000000"/>
+                </a:solidFill>
+                <a:latin typeface="Menlo"/>
+              </a:rPr>
+              <a:t>args</a:t>
+            </a:r>
+            <a:r>
+              <a:rPr lang="en-US" dirty="0">
+                <a:solidFill>
+                  <a:srgbClr val="000000"/>
+                </a:solidFill>
+                <a:latin typeface="Menlo"/>
+              </a:rPr>
+              <a:t>) { </a:t>
+            </a:r>
+            <a:endParaRPr lang="az-Cyrl-AZ" dirty="0">
+              <a:solidFill>
+                <a:srgbClr val="000000"/>
+              </a:solidFill>
+              <a:latin typeface="Menlo"/>
+            </a:endParaRPr>
+          </a:p>
+          <a:p>
+            <a:r>
+              <a:rPr lang="az-Cyrl-AZ" dirty="0">
+                <a:latin typeface="Menlo"/>
+              </a:rPr>
+              <a:t>	</a:t>
+            </a:r>
+          </a:p>
+          <a:p>
+            <a:r>
+              <a:rPr lang="ru-RU" dirty="0">
+                <a:solidFill>
+                  <a:srgbClr val="000000"/>
+                </a:solidFill>
+                <a:latin typeface="Menlo"/>
+              </a:rPr>
+              <a:t>}</a:t>
+            </a:r>
+            <a:endParaRPr lang="ru-RU" dirty="0"/>
+          </a:p>
+        </p:txBody>
+      </p:sp>
+    </p:spTree>
+    <p:extLst>
+      <p:ext uri="{BB962C8B-B14F-4D97-AF65-F5344CB8AC3E}">
+        <p14:creationId xmlns:p14="http://schemas.microsoft.com/office/powerpoint/2010/main" val="2056268045"/>
       </p:ext>
     </p:extLst>
   </p:cSld>
